--- a/assets/template.pptx
+++ b/assets/template.pptx
@@ -10,7 +10,7 @@
   <p:sldIdLst>
     <p:sldId id="262" r:id="rId2"/>
     <p:sldId id="264" r:id="rId3"/>
-    <p:sldId id="268" r:id="rId4"/>
+    <p:sldId id="271" r:id="rId4"/>
     <p:sldId id="270" r:id="rId5"/>
     <p:sldId id="267" r:id="rId6"/>
   </p:sldIdLst>
@@ -204,7 +204,7 @@
           <a:p>
             <a:fld id="{3D35C63F-2105-BE4D-B527-2F529C382CE3}" type="datetimeFigureOut">
               <a:rPr lang="en-US" smtClean="0"/>
-              <a:t>8/28/25</a:t>
+              <a:t>9/4/25</a:t>
             </a:fld>
             <a:endParaRPr lang="en-US"/>
           </a:p>
@@ -618,7 +618,7 @@
           <a:p>
             <a:fld id="{B06752D5-78E2-A847-9C3B-189A3B26818D}" type="datetime1">
               <a:rPr lang="en-US" smtClean="0"/>
-              <a:t>8/28/25</a:t>
+              <a:t>9/4/25</a:t>
             </a:fld>
             <a:endParaRPr lang="en-US"/>
           </a:p>
@@ -734,7 +734,7 @@
           <a:p>
             <a:fld id="{388ACBCC-99E6-FE44-9ACC-953181C011A7}" type="datetime1">
               <a:rPr lang="en-US" smtClean="0"/>
-              <a:t>8/28/25</a:t>
+              <a:t>9/4/25</a:t>
             </a:fld>
             <a:endParaRPr lang="en-US"/>
           </a:p>
@@ -815,7 +815,7 @@
         </p:nvSpPr>
         <p:spPr>
           <a:xfrm>
-            <a:off x="396081" y="1005523"/>
+            <a:off x="152241" y="761683"/>
             <a:ext cx="6146959" cy="3139757"/>
           </a:xfrm>
         </p:spPr>
@@ -850,8 +850,8 @@
         </p:nvSpPr>
         <p:spPr>
           <a:xfrm>
-            <a:off x="6635114" y="1005523"/>
-            <a:ext cx="2743199" cy="4389437"/>
+            <a:off x="6299200" y="761683"/>
+            <a:ext cx="2743199" cy="3139757"/>
           </a:xfrm>
         </p:spPr>
         <p:txBody>
@@ -880,8 +880,38 @@
         </p:nvSpPr>
         <p:spPr>
           <a:xfrm>
-            <a:off x="9378313" y="1005523"/>
-            <a:ext cx="2743199" cy="4389437"/>
+            <a:off x="9042399" y="761683"/>
+            <a:ext cx="2778759" cy="3139758"/>
+          </a:xfrm>
+        </p:spPr>
+        <p:txBody>
+          <a:bodyPr/>
+          <a:lstStyle/>
+          <a:p>
+            <a:endParaRPr lang="en-US" dirty="0"/>
+          </a:p>
+        </p:txBody>
+      </p:sp>
+      <p:sp>
+        <p:nvSpPr>
+          <p:cNvPr id="10" name="Picture Placeholder 9">
+            <a:extLst>
+              <a:ext uri="{FF2B5EF4-FFF2-40B4-BE49-F238E27FC236}">
+                <a16:creationId xmlns:a16="http://schemas.microsoft.com/office/drawing/2014/main" id="{93AC2B28-4306-D423-6641-9D9C077E009C}"/>
+              </a:ext>
+            </a:extLst>
+          </p:cNvPr>
+          <p:cNvSpPr>
+            <a:spLocks noGrp="1"/>
+          </p:cNvSpPr>
+          <p:nvPr>
+            <p:ph type="pic" sz="quarter" idx="16"/>
+          </p:nvPr>
+        </p:nvSpPr>
+        <p:spPr>
+          <a:xfrm>
+            <a:off x="7924483" y="3559016"/>
+            <a:ext cx="2743199" cy="3139757"/>
           </a:xfrm>
         </p:spPr>
         <p:txBody>
@@ -1030,7 +1060,7 @@
           <a:p>
             <a:fld id="{8BE48B6B-F1AB-B84A-84D7-8652902395E6}" type="datetime1">
               <a:rPr lang="en-US" smtClean="0"/>
-              <a:t>8/28/25</a:t>
+              <a:t>9/4/25</a:t>
             </a:fld>
             <a:endParaRPr lang="en-US"/>
           </a:p>
@@ -1241,7 +1271,7 @@
           <a:p>
             <a:fld id="{DBB5A80F-23F3-D14B-A04A-2443AD3C8C1D}" type="datetime1">
               <a:rPr lang="en-US" smtClean="0"/>
-              <a:t>8/28/25</a:t>
+              <a:t>9/4/25</a:t>
             </a:fld>
             <a:endParaRPr lang="en-US"/>
           </a:p>
@@ -1442,7 +1472,7 @@
           <a:p>
             <a:fld id="{B4924098-444B-1F4A-964D-453B90BB09B8}" type="datetime1">
               <a:rPr lang="en-US" smtClean="0"/>
-              <a:t>8/28/25</a:t>
+              <a:t>9/4/25</a:t>
             </a:fld>
             <a:endParaRPr lang="en-US"/>
           </a:p>
@@ -1720,7 +1750,7 @@
           <a:p>
             <a:fld id="{64AA80EC-5C39-424E-BCDB-7253578D21E1}" type="datetime1">
               <a:rPr lang="en-US" smtClean="0"/>
-              <a:t>8/28/25</a:t>
+              <a:t>9/4/25</a:t>
             </a:fld>
             <a:endParaRPr lang="en-US"/>
           </a:p>
@@ -1988,7 +2018,7 @@
           <a:p>
             <a:fld id="{B62BE381-6531-BD4E-A14F-C7F7891665A3}" type="datetime1">
               <a:rPr lang="en-US" smtClean="0"/>
-              <a:t>8/28/25</a:t>
+              <a:t>9/4/25</a:t>
             </a:fld>
             <a:endParaRPr lang="en-US"/>
           </a:p>
@@ -2403,7 +2433,7 @@
           <a:p>
             <a:fld id="{EFF9B324-5E84-A143-AFFD-96C685045931}" type="datetime1">
               <a:rPr lang="en-US" smtClean="0"/>
-              <a:t>8/28/25</a:t>
+              <a:t>9/4/25</a:t>
             </a:fld>
             <a:endParaRPr lang="en-US"/>
           </a:p>
@@ -2547,7 +2577,7 @@
           <a:p>
             <a:fld id="{5E03C108-A023-064E-AD84-0599AE6A4C7B}" type="datetime1">
               <a:rPr lang="en-US" smtClean="0"/>
-              <a:t>8/28/25</a:t>
+              <a:t>9/4/25</a:t>
             </a:fld>
             <a:endParaRPr lang="en-US"/>
           </a:p>
@@ -2663,7 +2693,7 @@
           <a:p>
             <a:fld id="{2AD76E7B-7EA4-1F45-811E-6318427F47B0}" type="datetime1">
               <a:rPr lang="en-US" smtClean="0"/>
-              <a:t>8/28/25</a:t>
+              <a:t>9/4/25</a:t>
             </a:fld>
             <a:endParaRPr lang="en-US"/>
           </a:p>
@@ -3042,7 +3072,7 @@
           <a:p>
             <a:fld id="{CC6C6094-AAF0-DD4B-96E2-22EFC6CFCC8A}" type="datetime1">
               <a:rPr lang="en-US" smtClean="0"/>
-              <a:t>8/28/25</a:t>
+              <a:t>9/4/25</a:t>
             </a:fld>
             <a:endParaRPr lang="en-US"/>
           </a:p>
@@ -3333,7 +3363,7 @@
           <a:p>
             <a:fld id="{94294551-8571-4843-9360-5BE0706F1087}" type="datetime1">
               <a:rPr lang="en-US" smtClean="0"/>
-              <a:t>8/28/25</a:t>
+              <a:t>9/4/25</a:t>
             </a:fld>
             <a:endParaRPr lang="en-US"/>
           </a:p>
@@ -3577,7 +3607,7 @@
           <a:p>
             <a:fld id="{966DDEE6-831A-1840-B23B-63315631BC70}" type="datetime1">
               <a:rPr lang="en-US" smtClean="0"/>
-              <a:t>8/28/25</a:t>
+              <a:t>9/4/25</a:t>
             </a:fld>
             <a:endParaRPr lang="en-US"/>
           </a:p>
@@ -4162,7 +4192,7 @@
           <p:nvPr>
             <p:extLst>
               <p:ext uri="{D42A27DB-BD31-4B8C-83A1-F6EECF244321}">
-                <p14:modId xmlns:p14="http://schemas.microsoft.com/office/powerpoint/2010/main" val="1940308471"/>
+                <p14:modId xmlns:p14="http://schemas.microsoft.com/office/powerpoint/2010/main" val="2146045332"/>
               </p:ext>
             </p:extLst>
           </p:nvPr>
@@ -4454,13 +4484,10 @@
                       </a:r>
                     </a:p>
                     <a:p>
-                      <a:r>
-                        <a:rPr lang="en-US" sz="1400" dirty="0">
-                          <a:latin typeface="Calibri" panose="020F0502020204030204" pitchFamily="34" charset="0"/>
-                          <a:cs typeface="Calibri" panose="020F0502020204030204" pitchFamily="34" charset="0"/>
-                        </a:rPr>
-                        <a:t>(ECD)</a:t>
-                      </a:r>
+                      <a:endParaRPr lang="en-US" sz="1400" dirty="0">
+                        <a:latin typeface="Calibri" panose="020F0502020204030204" pitchFamily="34" charset="0"/>
+                        <a:cs typeface="Calibri" panose="020F0502020204030204" pitchFamily="34" charset="0"/>
+                      </a:endParaRPr>
                     </a:p>
                   </a:txBody>
                   <a:tcPr>
@@ -5093,7 +5120,7 @@
           <p:cNvPr id="2" name="Footer Placeholder 1">
             <a:extLst>
               <a:ext uri="{FF2B5EF4-FFF2-40B4-BE49-F238E27FC236}">
-                <a16:creationId xmlns:a16="http://schemas.microsoft.com/office/drawing/2014/main" id="{0A95BD49-C58E-BE4C-47A3-E8C8C0D6FB61}"/>
+                <a16:creationId xmlns:a16="http://schemas.microsoft.com/office/drawing/2014/main" id="{CE44976F-B93B-BC7C-B7A7-7B8CC8014044}"/>
               </a:ext>
             </a:extLst>
           </p:cNvPr>
@@ -5106,8 +5133,8 @@
         </p:nvSpPr>
         <p:spPr>
           <a:xfrm>
-            <a:off x="9688825" y="6401752"/>
-            <a:ext cx="2301240" cy="365125"/>
+            <a:off x="9639290" y="6420110"/>
+            <a:ext cx="2506672" cy="365125"/>
           </a:xfrm>
         </p:spPr>
         <p:txBody>
@@ -5126,7 +5153,7 @@
           <p:cNvPr id="3" name="Slide Number Placeholder 2">
             <a:extLst>
               <a:ext uri="{FF2B5EF4-FFF2-40B4-BE49-F238E27FC236}">
-                <a16:creationId xmlns:a16="http://schemas.microsoft.com/office/drawing/2014/main" id="{B419D074-4F81-1903-CC09-2551FED7D264}"/>
+                <a16:creationId xmlns:a16="http://schemas.microsoft.com/office/drawing/2014/main" id="{8CF068EA-580D-E909-1975-5864FDA01D24}"/>
               </a:ext>
             </a:extLst>
           </p:cNvPr>
@@ -5139,7 +5166,7 @@
         </p:nvSpPr>
         <p:spPr>
           <a:xfrm>
-            <a:off x="-2347119" y="6401752"/>
+            <a:off x="-2321560" y="6401752"/>
             <a:ext cx="2743200" cy="365125"/>
           </a:xfrm>
         </p:spPr>
@@ -5160,7 +5187,7 @@
           <p:cNvPr id="4" name="Picture Placeholder 3">
             <a:extLst>
               <a:ext uri="{FF2B5EF4-FFF2-40B4-BE49-F238E27FC236}">
-                <a16:creationId xmlns:a16="http://schemas.microsoft.com/office/drawing/2014/main" id="{55E2DDBC-3936-219E-5A7F-6DA09C130C8B}"/>
+                <a16:creationId xmlns:a16="http://schemas.microsoft.com/office/drawing/2014/main" id="{0BA246BE-91BE-5E02-4561-F2FCA2179CFB}"/>
               </a:ext>
             </a:extLst>
           </p:cNvPr>
@@ -5178,7 +5205,7 @@
           <p:cNvPr id="5" name="Picture Placeholder 4">
             <a:extLst>
               <a:ext uri="{FF2B5EF4-FFF2-40B4-BE49-F238E27FC236}">
-                <a16:creationId xmlns:a16="http://schemas.microsoft.com/office/drawing/2014/main" id="{030EFC86-24E5-E369-68B1-BE93F7ADE037}"/>
+                <a16:creationId xmlns:a16="http://schemas.microsoft.com/office/drawing/2014/main" id="{7BA0A6AB-93D5-EA49-D556-C647D4E5F3D6}"/>
               </a:ext>
             </a:extLst>
           </p:cNvPr>
@@ -5196,7 +5223,7 @@
           <p:cNvPr id="6" name="Picture Placeholder 5">
             <a:extLst>
               <a:ext uri="{FF2B5EF4-FFF2-40B4-BE49-F238E27FC236}">
-                <a16:creationId xmlns:a16="http://schemas.microsoft.com/office/drawing/2014/main" id="{A09A835E-C928-9748-0F68-1390279FBE15}"/>
+                <a16:creationId xmlns:a16="http://schemas.microsoft.com/office/drawing/2014/main" id="{631A860E-904C-3522-6DD4-3677C102DF97}"/>
               </a:ext>
             </a:extLst>
           </p:cNvPr>
@@ -5211,287 +5238,28 @@
       </p:sp>
       <p:sp>
         <p:nvSpPr>
-          <p:cNvPr id="7" name="Title 1">
-            <a:extLst>
-              <a:ext uri="{FF2B5EF4-FFF2-40B4-BE49-F238E27FC236}">
-                <a16:creationId xmlns:a16="http://schemas.microsoft.com/office/drawing/2014/main" id="{92FE2D43-E158-F720-0033-1B243AB86EC6}"/>
-              </a:ext>
-            </a:extLst>
-          </p:cNvPr>
-          <p:cNvSpPr txBox="1">
-            <a:spLocks/>
-          </p:cNvSpPr>
-          <p:nvPr/>
-        </p:nvSpPr>
-        <p:spPr>
-          <a:xfrm>
-            <a:off x="157480" y="273685"/>
-            <a:ext cx="10515600" cy="549275"/>
-          </a:xfrm>
-          <a:prstGeom prst="rect">
-            <a:avLst/>
-          </a:prstGeom>
-        </p:spPr>
-        <p:txBody>
-          <a:bodyPr vert="horz" lIns="91440" tIns="45720" rIns="91440" bIns="45720" rtlCol="0" anchor="b">
-            <a:normAutofit/>
-          </a:bodyPr>
-          <a:lstStyle>
-            <a:lvl1pPr algn="l" defTabSz="914400" rtl="0" eaLnBrk="1" latinLnBrk="0" hangingPunct="1">
-              <a:lnSpc>
-                <a:spcPct val="90000"/>
-              </a:lnSpc>
-              <a:spcBef>
-                <a:spcPct val="0"/>
-              </a:spcBef>
-              <a:buNone/>
-              <a:defRPr sz="3200" kern="1200">
-                <a:solidFill>
-                  <a:schemeClr val="tx1"/>
-                </a:solidFill>
-                <a:latin typeface="+mj-lt"/>
-                <a:ea typeface="+mj-ea"/>
-                <a:cs typeface="+mj-cs"/>
-              </a:defRPr>
-            </a:lvl1pPr>
-          </a:lstStyle>
-          <a:p>
-            <a:r>
-              <a:rPr lang="en-US" sz="2800" b="1" dirty="0">
-                <a:latin typeface="+mn-lt"/>
-              </a:rPr>
-              <a:t>Seq Alignment</a:t>
-            </a:r>
-          </a:p>
-        </p:txBody>
-      </p:sp>
-      <p:sp>
-        <p:nvSpPr>
-          <p:cNvPr id="8" name="Slide Number Placeholder 2">
-            <a:extLst>
-              <a:ext uri="{FF2B5EF4-FFF2-40B4-BE49-F238E27FC236}">
-                <a16:creationId xmlns:a16="http://schemas.microsoft.com/office/drawing/2014/main" id="{A6F0C3B4-5EE7-E331-1472-14ADC0D217F3}"/>
-              </a:ext>
-            </a:extLst>
-          </p:cNvPr>
-          <p:cNvSpPr txBox="1">
-            <a:spLocks/>
-          </p:cNvSpPr>
-          <p:nvPr/>
-        </p:nvSpPr>
-        <p:spPr>
-          <a:xfrm>
-            <a:off x="421640" y="6401752"/>
-            <a:ext cx="3017520" cy="365125"/>
-          </a:xfrm>
-          <a:prstGeom prst="rect">
-            <a:avLst/>
-          </a:prstGeom>
-          <a:ln>
-            <a:solidFill>
-              <a:schemeClr val="tx1"/>
-            </a:solidFill>
-            <a:prstDash val="sysDot"/>
-          </a:ln>
-        </p:spPr>
-        <p:txBody>
-          <a:bodyPr vert="horz" lIns="91440" tIns="45720" rIns="91440" bIns="45720" rtlCol="0" anchor="ctr"/>
-          <a:lstStyle>
-            <a:defPPr>
-              <a:defRPr lang="en-US"/>
-            </a:defPPr>
-            <a:lvl1pPr marL="0" algn="r" defTabSz="914400" rtl="0" eaLnBrk="1" latinLnBrk="0" hangingPunct="1">
-              <a:defRPr sz="1200" kern="1200">
-                <a:solidFill>
-                  <a:schemeClr val="tx1">
-                    <a:tint val="75000"/>
-                  </a:schemeClr>
-                </a:solidFill>
-                <a:latin typeface="+mn-lt"/>
-                <a:ea typeface="+mn-ea"/>
-                <a:cs typeface="+mn-cs"/>
-              </a:defRPr>
-            </a:lvl1pPr>
-            <a:lvl2pPr marL="457200" algn="l" defTabSz="914400" rtl="0" eaLnBrk="1" latinLnBrk="0" hangingPunct="1">
-              <a:defRPr sz="1800" kern="1200">
-                <a:solidFill>
-                  <a:schemeClr val="tx1"/>
-                </a:solidFill>
-                <a:latin typeface="+mn-lt"/>
-                <a:ea typeface="+mn-ea"/>
-                <a:cs typeface="+mn-cs"/>
-              </a:defRPr>
-            </a:lvl2pPr>
-            <a:lvl3pPr marL="914400" algn="l" defTabSz="914400" rtl="0" eaLnBrk="1" latinLnBrk="0" hangingPunct="1">
-              <a:defRPr sz="1800" kern="1200">
-                <a:solidFill>
-                  <a:schemeClr val="tx1"/>
-                </a:solidFill>
-                <a:latin typeface="+mn-lt"/>
-                <a:ea typeface="+mn-ea"/>
-                <a:cs typeface="+mn-cs"/>
-              </a:defRPr>
-            </a:lvl3pPr>
-            <a:lvl4pPr marL="1371600" algn="l" defTabSz="914400" rtl="0" eaLnBrk="1" latinLnBrk="0" hangingPunct="1">
-              <a:defRPr sz="1800" kern="1200">
-                <a:solidFill>
-                  <a:schemeClr val="tx1"/>
-                </a:solidFill>
-                <a:latin typeface="+mn-lt"/>
-                <a:ea typeface="+mn-ea"/>
-                <a:cs typeface="+mn-cs"/>
-              </a:defRPr>
-            </a:lvl4pPr>
-            <a:lvl5pPr marL="1828800" algn="l" defTabSz="914400" rtl="0" eaLnBrk="1" latinLnBrk="0" hangingPunct="1">
-              <a:defRPr sz="1800" kern="1200">
-                <a:solidFill>
-                  <a:schemeClr val="tx1"/>
-                </a:solidFill>
-                <a:latin typeface="+mn-lt"/>
-                <a:ea typeface="+mn-ea"/>
-                <a:cs typeface="+mn-cs"/>
-              </a:defRPr>
-            </a:lvl5pPr>
-            <a:lvl6pPr marL="2286000" algn="l" defTabSz="914400" rtl="0" eaLnBrk="1" latinLnBrk="0" hangingPunct="1">
-              <a:defRPr sz="1800" kern="1200">
-                <a:solidFill>
-                  <a:schemeClr val="tx1"/>
-                </a:solidFill>
-                <a:latin typeface="+mn-lt"/>
-                <a:ea typeface="+mn-ea"/>
-                <a:cs typeface="+mn-cs"/>
-              </a:defRPr>
-            </a:lvl6pPr>
-            <a:lvl7pPr marL="2743200" algn="l" defTabSz="914400" rtl="0" eaLnBrk="1" latinLnBrk="0" hangingPunct="1">
-              <a:defRPr sz="1800" kern="1200">
-                <a:solidFill>
-                  <a:schemeClr val="tx1"/>
-                </a:solidFill>
-                <a:latin typeface="+mn-lt"/>
-                <a:ea typeface="+mn-ea"/>
-                <a:cs typeface="+mn-cs"/>
-              </a:defRPr>
-            </a:lvl7pPr>
-            <a:lvl8pPr marL="3200400" algn="l" defTabSz="914400" rtl="0" eaLnBrk="1" latinLnBrk="0" hangingPunct="1">
-              <a:defRPr sz="1800" kern="1200">
-                <a:solidFill>
-                  <a:schemeClr val="tx1"/>
-                </a:solidFill>
-                <a:latin typeface="+mn-lt"/>
-                <a:ea typeface="+mn-ea"/>
-                <a:cs typeface="+mn-cs"/>
-              </a:defRPr>
-            </a:lvl8pPr>
-            <a:lvl9pPr marL="3657600" algn="l" defTabSz="914400" rtl="0" eaLnBrk="1" latinLnBrk="0" hangingPunct="1">
-              <a:defRPr sz="1800" kern="1200">
-                <a:solidFill>
-                  <a:schemeClr val="tx1"/>
-                </a:solidFill>
-                <a:latin typeface="+mn-lt"/>
-                <a:ea typeface="+mn-ea"/>
-                <a:cs typeface="+mn-cs"/>
-              </a:defRPr>
-            </a:lvl9pPr>
-          </a:lstStyle>
-          <a:p>
-            <a:r>
-              <a:rPr lang="en-US" dirty="0">
-                <a:latin typeface="Calibri" panose="020F0502020204030204" pitchFamily="34" charset="0"/>
-                <a:cs typeface="Calibri" panose="020F0502020204030204" pitchFamily="34" charset="0"/>
-              </a:rPr>
-              <a:t>Private and confidential. For internal use only.</a:t>
-            </a:r>
-          </a:p>
-        </p:txBody>
-      </p:sp>
-      <p:sp>
-        <p:nvSpPr>
-          <p:cNvPr id="9" name="TextBox 8">
-            <a:extLst>
-              <a:ext uri="{FF2B5EF4-FFF2-40B4-BE49-F238E27FC236}">
-                <a16:creationId xmlns:a16="http://schemas.microsoft.com/office/drawing/2014/main" id="{1698D341-7E42-1398-82E1-3075E2DE87A2}"/>
-              </a:ext>
-            </a:extLst>
-          </p:cNvPr>
-          <p:cNvSpPr txBox="1"/>
-          <p:nvPr/>
-        </p:nvSpPr>
-        <p:spPr>
-          <a:xfrm>
-            <a:off x="6635114" y="5405120"/>
-            <a:ext cx="2092326" cy="523220"/>
-          </a:xfrm>
-          <a:prstGeom prst="rect">
-            <a:avLst/>
-          </a:prstGeom>
-          <a:noFill/>
-        </p:spPr>
-        <p:txBody>
-          <a:bodyPr wrap="square" rtlCol="0">
-            <a:spAutoFit/>
-          </a:bodyPr>
-          <a:lstStyle/>
-          <a:p>
-            <a:r>
-              <a:rPr lang="en-US" sz="1400" dirty="0"/>
-              <a:t>Caption</a:t>
-            </a:r>
-          </a:p>
-          <a:p>
-            <a:r>
-              <a:rPr lang="en-US" sz="1400" dirty="0"/>
-              <a:t>RMSD</a:t>
-            </a:r>
-          </a:p>
-        </p:txBody>
-      </p:sp>
-      <p:sp>
-        <p:nvSpPr>
-          <p:cNvPr id="10" name="TextBox 9">
-            <a:extLst>
-              <a:ext uri="{FF2B5EF4-FFF2-40B4-BE49-F238E27FC236}">
-                <a16:creationId xmlns:a16="http://schemas.microsoft.com/office/drawing/2014/main" id="{48E13003-908E-E3CB-003C-4432E4BB39A2}"/>
-              </a:ext>
-            </a:extLst>
-          </p:cNvPr>
-          <p:cNvSpPr txBox="1"/>
-          <p:nvPr/>
-        </p:nvSpPr>
-        <p:spPr>
-          <a:xfrm>
-            <a:off x="9378313" y="5405120"/>
-            <a:ext cx="2092326" cy="523220"/>
-          </a:xfrm>
-          <a:prstGeom prst="rect">
-            <a:avLst/>
-          </a:prstGeom>
-          <a:noFill/>
-        </p:spPr>
-        <p:txBody>
-          <a:bodyPr wrap="square" rtlCol="0">
-            <a:spAutoFit/>
-          </a:bodyPr>
-          <a:lstStyle/>
-          <a:p>
-            <a:r>
-              <a:rPr lang="en-US" sz="1400" dirty="0"/>
-              <a:t>Caption</a:t>
-            </a:r>
-          </a:p>
-          <a:p>
-            <a:r>
-              <a:rPr lang="en-US" sz="1400" dirty="0"/>
-              <a:t>RMSD</a:t>
-            </a:r>
-          </a:p>
-        </p:txBody>
+          <p:cNvPr id="7" name="Picture Placeholder 6">
+            <a:extLst>
+              <a:ext uri="{FF2B5EF4-FFF2-40B4-BE49-F238E27FC236}">
+                <a16:creationId xmlns:a16="http://schemas.microsoft.com/office/drawing/2014/main" id="{53E3C8DF-D84B-4322-4746-E322E4E37A93}"/>
+              </a:ext>
+            </a:extLst>
+          </p:cNvPr>
+          <p:cNvSpPr>
+            <a:spLocks noGrp="1"/>
+          </p:cNvSpPr>
+          <p:nvPr>
+            <p:ph type="pic" sz="quarter" idx="16"/>
+          </p:nvPr>
+        </p:nvSpPr>
+        <p:spPr/>
       </p:sp>
       <p:graphicFrame>
         <p:nvGraphicFramePr>
-          <p:cNvPr id="11" name="Table 11">
-            <a:extLst>
-              <a:ext uri="{FF2B5EF4-FFF2-40B4-BE49-F238E27FC236}">
-                <a16:creationId xmlns:a16="http://schemas.microsoft.com/office/drawing/2014/main" id="{FE17381C-10F0-7D10-717F-D85898436C91}"/>
+          <p:cNvPr id="8" name="Table 11">
+            <a:extLst>
+              <a:ext uri="{FF2B5EF4-FFF2-40B4-BE49-F238E27FC236}">
+                <a16:creationId xmlns:a16="http://schemas.microsoft.com/office/drawing/2014/main" id="{DBF27CDD-852C-001C-4687-381A4204FF4D}"/>
               </a:ext>
             </a:extLst>
           </p:cNvPr>
@@ -5501,14 +5269,14 @@
           <p:nvPr>
             <p:extLst>
               <p:ext uri="{D42A27DB-BD31-4B8C-83A1-F6EECF244321}">
-                <p14:modId xmlns:p14="http://schemas.microsoft.com/office/powerpoint/2010/main" val="1932480188"/>
+                <p14:modId xmlns:p14="http://schemas.microsoft.com/office/powerpoint/2010/main" val="3081202271"/>
               </p:ext>
             </p:extLst>
           </p:nvPr>
         </p:nvGraphicFramePr>
         <p:xfrm>
-          <a:off x="347591" y="4193080"/>
-          <a:ext cx="5195272" cy="2160871"/>
+          <a:off x="189529" y="4717062"/>
+          <a:ext cx="5195272" cy="1547147"/>
         </p:xfrm>
         <a:graphic>
           <a:graphicData uri="http://schemas.openxmlformats.org/drawingml/2006/table">
@@ -5572,8 +5340,12 @@
                     <a:lstStyle/>
                     <a:p>
                       <a:r>
+                        <a:rPr lang="en-US" sz="1400"/>
+                        <a:t>% </a:t>
+                      </a:r>
+                      <a:r>
                         <a:rPr lang="en-US" sz="1400" dirty="0"/>
-                        <a:t>ECD % Identity to Human</a:t>
+                        <a:t>Identity to Human</a:t>
                       </a:r>
                     </a:p>
                   </a:txBody>
@@ -5739,90 +5511,154 @@
                   </a:ext>
                 </a:extLst>
               </a:tr>
-              <a:tr h="306862">
-                <a:tc>
-                  <a:txBody>
-                    <a:bodyPr/>
-                    <a:lstStyle/>
-                    <a:p>
-                      <a:endParaRPr lang="en-US" sz="1400" dirty="0"/>
-                    </a:p>
-                  </a:txBody>
-                  <a:tcPr/>
-                </a:tc>
-                <a:tc>
-                  <a:txBody>
-                    <a:bodyPr/>
-                    <a:lstStyle/>
-                    <a:p>
-                      <a:endParaRPr lang="en-US" sz="1400" dirty="0"/>
-                    </a:p>
-                  </a:txBody>
-                  <a:tcPr/>
-                </a:tc>
-                <a:tc>
-                  <a:txBody>
-                    <a:bodyPr/>
-                    <a:lstStyle/>
-                    <a:p>
-                      <a:endParaRPr lang="en-US" sz="1400" dirty="0"/>
-                    </a:p>
-                  </a:txBody>
-                  <a:tcPr/>
-                </a:tc>
-                <a:extLst>
-                  <a:ext uri="{0D108BD9-81ED-4DB2-BD59-A6C34878D82A}">
-                    <a16:rowId xmlns:a16="http://schemas.microsoft.com/office/drawing/2014/main" val="2746488487"/>
-                  </a:ext>
-                </a:extLst>
-              </a:tr>
-              <a:tr h="306862">
-                <a:tc>
-                  <a:txBody>
-                    <a:bodyPr/>
-                    <a:lstStyle/>
-                    <a:p>
-                      <a:endParaRPr lang="en-US" sz="1400" dirty="0"/>
-                    </a:p>
-                  </a:txBody>
-                  <a:tcPr/>
-                </a:tc>
-                <a:tc>
-                  <a:txBody>
-                    <a:bodyPr/>
-                    <a:lstStyle/>
-                    <a:p>
-                      <a:endParaRPr lang="en-US" sz="1400" dirty="0"/>
-                    </a:p>
-                  </a:txBody>
-                  <a:tcPr/>
-                </a:tc>
-                <a:tc>
-                  <a:txBody>
-                    <a:bodyPr/>
-                    <a:lstStyle/>
-                    <a:p>
-                      <a:endParaRPr lang="en-US" sz="1400" dirty="0"/>
-                    </a:p>
-                  </a:txBody>
-                  <a:tcPr/>
-                </a:tc>
-                <a:extLst>
-                  <a:ext uri="{0D108BD9-81ED-4DB2-BD59-A6C34878D82A}">
-                    <a16:rowId xmlns:a16="http://schemas.microsoft.com/office/drawing/2014/main" val="1433369731"/>
-                  </a:ext>
-                </a:extLst>
-              </a:tr>
             </a:tbl>
           </a:graphicData>
         </a:graphic>
       </p:graphicFrame>
       <p:sp>
         <p:nvSpPr>
+          <p:cNvPr id="9" name="Title 1">
+            <a:extLst>
+              <a:ext uri="{FF2B5EF4-FFF2-40B4-BE49-F238E27FC236}">
+                <a16:creationId xmlns:a16="http://schemas.microsoft.com/office/drawing/2014/main" id="{28B850C4-AA82-22AB-888D-648222FCC073}"/>
+              </a:ext>
+            </a:extLst>
+          </p:cNvPr>
+          <p:cNvSpPr txBox="1">
+            <a:spLocks/>
+          </p:cNvSpPr>
+          <p:nvPr/>
+        </p:nvSpPr>
+        <p:spPr>
+          <a:xfrm>
+            <a:off x="157480" y="273685"/>
+            <a:ext cx="10515600" cy="549275"/>
+          </a:xfrm>
+          <a:prstGeom prst="rect">
+            <a:avLst/>
+          </a:prstGeom>
+        </p:spPr>
+        <p:txBody>
+          <a:bodyPr vert="horz" lIns="91440" tIns="45720" rIns="91440" bIns="45720" rtlCol="0" anchor="b">
+            <a:normAutofit/>
+          </a:bodyPr>
+          <a:lstStyle>
+            <a:lvl1pPr algn="l" defTabSz="914400" rtl="0" eaLnBrk="1" latinLnBrk="0" hangingPunct="1">
+              <a:lnSpc>
+                <a:spcPct val="90000"/>
+              </a:lnSpc>
+              <a:spcBef>
+                <a:spcPct val="0"/>
+              </a:spcBef>
+              <a:buNone/>
+              <a:defRPr sz="3200" kern="1200">
+                <a:solidFill>
+                  <a:schemeClr val="tx1"/>
+                </a:solidFill>
+                <a:latin typeface="+mj-lt"/>
+                <a:ea typeface="+mj-ea"/>
+                <a:cs typeface="+mj-cs"/>
+              </a:defRPr>
+            </a:lvl1pPr>
+          </a:lstStyle>
+          <a:p>
+            <a:r>
+              <a:rPr lang="en-US" sz="2800" b="1" dirty="0">
+                <a:latin typeface="+mn-lt"/>
+              </a:rPr>
+              <a:t>Seq Alignment</a:t>
+            </a:r>
+          </a:p>
+        </p:txBody>
+      </p:sp>
+      <p:sp>
+        <p:nvSpPr>
+          <p:cNvPr id="10" name="TextBox 9">
+            <a:extLst>
+              <a:ext uri="{FF2B5EF4-FFF2-40B4-BE49-F238E27FC236}">
+                <a16:creationId xmlns:a16="http://schemas.microsoft.com/office/drawing/2014/main" id="{F27F7027-A04D-55C8-8F1D-74EE28CC88D1}"/>
+              </a:ext>
+            </a:extLst>
+          </p:cNvPr>
+          <p:cNvSpPr txBox="1"/>
+          <p:nvPr/>
+        </p:nvSpPr>
+        <p:spPr>
+          <a:xfrm>
+            <a:off x="6421120" y="3440187"/>
+            <a:ext cx="2092326" cy="523220"/>
+          </a:xfrm>
+          <a:prstGeom prst="rect">
+            <a:avLst/>
+          </a:prstGeom>
+          <a:noFill/>
+        </p:spPr>
+        <p:txBody>
+          <a:bodyPr wrap="square" rtlCol="0">
+            <a:spAutoFit/>
+          </a:bodyPr>
+          <a:lstStyle/>
+          <a:p>
+            <a:r>
+              <a:rPr lang="en-US" sz="1400" dirty="0"/>
+              <a:t>Caption</a:t>
+            </a:r>
+          </a:p>
+          <a:p>
+            <a:r>
+              <a:rPr lang="en-US" sz="1400" dirty="0"/>
+              <a:t>RMSD</a:t>
+            </a:r>
+          </a:p>
+        </p:txBody>
+      </p:sp>
+      <p:sp>
+        <p:nvSpPr>
+          <p:cNvPr id="11" name="TextBox 10">
+            <a:extLst>
+              <a:ext uri="{FF2B5EF4-FFF2-40B4-BE49-F238E27FC236}">
+                <a16:creationId xmlns:a16="http://schemas.microsoft.com/office/drawing/2014/main" id="{5081264D-9E52-A65A-604E-3C87C6A51409}"/>
+              </a:ext>
+            </a:extLst>
+          </p:cNvPr>
+          <p:cNvSpPr txBox="1"/>
+          <p:nvPr/>
+        </p:nvSpPr>
+        <p:spPr>
+          <a:xfrm>
+            <a:off x="10931369" y="3440187"/>
+            <a:ext cx="2092326" cy="523220"/>
+          </a:xfrm>
+          <a:prstGeom prst="rect">
+            <a:avLst/>
+          </a:prstGeom>
+          <a:noFill/>
+        </p:spPr>
+        <p:txBody>
+          <a:bodyPr wrap="square" rtlCol="0">
+            <a:spAutoFit/>
+          </a:bodyPr>
+          <a:lstStyle/>
+          <a:p>
+            <a:r>
+              <a:rPr lang="en-US" sz="1400" dirty="0"/>
+              <a:t>Caption</a:t>
+            </a:r>
+          </a:p>
+          <a:p>
+            <a:r>
+              <a:rPr lang="en-US" sz="1400" dirty="0"/>
+              <a:t>RMSD</a:t>
+            </a:r>
+          </a:p>
+        </p:txBody>
+      </p:sp>
+      <p:sp>
+        <p:nvSpPr>
           <p:cNvPr id="12" name="Rectangle 11">
             <a:extLst>
               <a:ext uri="{FF2B5EF4-FFF2-40B4-BE49-F238E27FC236}">
-                <a16:creationId xmlns:a16="http://schemas.microsoft.com/office/drawing/2014/main" id="{EA40172E-85A3-B9EF-4E81-B8F4E2EC07BC}"/>
+                <a16:creationId xmlns:a16="http://schemas.microsoft.com/office/drawing/2014/main" id="{4070FB0A-0576-F4A6-0C73-6831E5CE6948}"/>
               </a:ext>
             </a:extLst>
           </p:cNvPr>
@@ -5831,7 +5667,7 @@
         </p:nvSpPr>
         <p:spPr>
           <a:xfrm>
-            <a:off x="6756400" y="5928340"/>
+            <a:off x="6542406" y="3963407"/>
             <a:ext cx="213360" cy="198140"/>
           </a:xfrm>
           <a:prstGeom prst="rect">
@@ -5871,7 +5707,7 @@
           <p:cNvPr id="13" name="TextBox 12">
             <a:extLst>
               <a:ext uri="{FF2B5EF4-FFF2-40B4-BE49-F238E27FC236}">
-                <a16:creationId xmlns:a16="http://schemas.microsoft.com/office/drawing/2014/main" id="{9A719C7D-8D24-F84B-AC45-BE66307B2A18}"/>
+                <a16:creationId xmlns:a16="http://schemas.microsoft.com/office/drawing/2014/main" id="{DBF587EB-7892-2DE2-9BD6-E78C7792E955}"/>
               </a:ext>
             </a:extLst>
           </p:cNvPr>
@@ -5880,7 +5716,7 @@
         </p:nvSpPr>
         <p:spPr>
           <a:xfrm>
-            <a:off x="6960550" y="5871962"/>
+            <a:off x="6746556" y="3907029"/>
             <a:ext cx="2092326" cy="310896"/>
           </a:xfrm>
           <a:prstGeom prst="rect">
@@ -5906,7 +5742,7 @@
           <p:cNvPr id="14" name="Rectangle 13">
             <a:extLst>
               <a:ext uri="{FF2B5EF4-FFF2-40B4-BE49-F238E27FC236}">
-                <a16:creationId xmlns:a16="http://schemas.microsoft.com/office/drawing/2014/main" id="{6BED6B50-A328-EBB0-121B-EA456F5DE8C6}"/>
+                <a16:creationId xmlns:a16="http://schemas.microsoft.com/office/drawing/2014/main" id="{9E20709F-A0B0-C984-9B2B-D957606F71BA}"/>
               </a:ext>
             </a:extLst>
           </p:cNvPr>
@@ -5915,7 +5751,7 @@
         </p:nvSpPr>
         <p:spPr>
           <a:xfrm>
-            <a:off x="9532610" y="5928340"/>
+            <a:off x="11085666" y="3963407"/>
             <a:ext cx="213360" cy="198140"/>
           </a:xfrm>
           <a:prstGeom prst="rect">
@@ -5955,7 +5791,7 @@
           <p:cNvPr id="15" name="TextBox 14">
             <a:extLst>
               <a:ext uri="{FF2B5EF4-FFF2-40B4-BE49-F238E27FC236}">
-                <a16:creationId xmlns:a16="http://schemas.microsoft.com/office/drawing/2014/main" id="{D98F3D2A-C3B8-A7C0-801C-77EE3FDB56F4}"/>
+                <a16:creationId xmlns:a16="http://schemas.microsoft.com/office/drawing/2014/main" id="{F4F8DDCE-F9EF-8DF4-DE5B-558AD8245047}"/>
               </a:ext>
             </a:extLst>
           </p:cNvPr>
@@ -5964,7 +5800,7 @@
         </p:nvSpPr>
         <p:spPr>
           <a:xfrm>
-            <a:off x="9718654" y="5872279"/>
+            <a:off x="11271710" y="3907346"/>
             <a:ext cx="2092326" cy="310896"/>
           </a:xfrm>
           <a:prstGeom prst="rect">
@@ -5985,10 +5821,274 @@
           </a:p>
         </p:txBody>
       </p:sp>
+      <p:sp>
+        <p:nvSpPr>
+          <p:cNvPr id="16" name="Slide Number Placeholder 2">
+            <a:extLst>
+              <a:ext uri="{FF2B5EF4-FFF2-40B4-BE49-F238E27FC236}">
+                <a16:creationId xmlns:a16="http://schemas.microsoft.com/office/drawing/2014/main" id="{10CAE1C2-FAD4-1786-B25A-168A20CF1062}"/>
+              </a:ext>
+            </a:extLst>
+          </p:cNvPr>
+          <p:cNvSpPr txBox="1">
+            <a:spLocks/>
+          </p:cNvSpPr>
+          <p:nvPr/>
+        </p:nvSpPr>
+        <p:spPr>
+          <a:xfrm>
+            <a:off x="421640" y="6401752"/>
+            <a:ext cx="3017520" cy="365125"/>
+          </a:xfrm>
+          <a:prstGeom prst="rect">
+            <a:avLst/>
+          </a:prstGeom>
+          <a:ln>
+            <a:solidFill>
+              <a:schemeClr val="tx1"/>
+            </a:solidFill>
+            <a:prstDash val="sysDot"/>
+          </a:ln>
+        </p:spPr>
+        <p:txBody>
+          <a:bodyPr vert="horz" lIns="91440" tIns="45720" rIns="91440" bIns="45720" rtlCol="0" anchor="ctr"/>
+          <a:lstStyle>
+            <a:defPPr>
+              <a:defRPr lang="en-US"/>
+            </a:defPPr>
+            <a:lvl1pPr marL="0" algn="r" defTabSz="914400" rtl="0" eaLnBrk="1" latinLnBrk="0" hangingPunct="1">
+              <a:defRPr sz="1200" kern="1200">
+                <a:solidFill>
+                  <a:schemeClr val="tx1">
+                    <a:tint val="75000"/>
+                  </a:schemeClr>
+                </a:solidFill>
+                <a:latin typeface="+mn-lt"/>
+                <a:ea typeface="+mn-ea"/>
+                <a:cs typeface="+mn-cs"/>
+              </a:defRPr>
+            </a:lvl1pPr>
+            <a:lvl2pPr marL="457200" algn="l" defTabSz="914400" rtl="0" eaLnBrk="1" latinLnBrk="0" hangingPunct="1">
+              <a:defRPr sz="1800" kern="1200">
+                <a:solidFill>
+                  <a:schemeClr val="tx1"/>
+                </a:solidFill>
+                <a:latin typeface="+mn-lt"/>
+                <a:ea typeface="+mn-ea"/>
+                <a:cs typeface="+mn-cs"/>
+              </a:defRPr>
+            </a:lvl2pPr>
+            <a:lvl3pPr marL="914400" algn="l" defTabSz="914400" rtl="0" eaLnBrk="1" latinLnBrk="0" hangingPunct="1">
+              <a:defRPr sz="1800" kern="1200">
+                <a:solidFill>
+                  <a:schemeClr val="tx1"/>
+                </a:solidFill>
+                <a:latin typeface="+mn-lt"/>
+                <a:ea typeface="+mn-ea"/>
+                <a:cs typeface="+mn-cs"/>
+              </a:defRPr>
+            </a:lvl3pPr>
+            <a:lvl4pPr marL="1371600" algn="l" defTabSz="914400" rtl="0" eaLnBrk="1" latinLnBrk="0" hangingPunct="1">
+              <a:defRPr sz="1800" kern="1200">
+                <a:solidFill>
+                  <a:schemeClr val="tx1"/>
+                </a:solidFill>
+                <a:latin typeface="+mn-lt"/>
+                <a:ea typeface="+mn-ea"/>
+                <a:cs typeface="+mn-cs"/>
+              </a:defRPr>
+            </a:lvl4pPr>
+            <a:lvl5pPr marL="1828800" algn="l" defTabSz="914400" rtl="0" eaLnBrk="1" latinLnBrk="0" hangingPunct="1">
+              <a:defRPr sz="1800" kern="1200">
+                <a:solidFill>
+                  <a:schemeClr val="tx1"/>
+                </a:solidFill>
+                <a:latin typeface="+mn-lt"/>
+                <a:ea typeface="+mn-ea"/>
+                <a:cs typeface="+mn-cs"/>
+              </a:defRPr>
+            </a:lvl5pPr>
+            <a:lvl6pPr marL="2286000" algn="l" defTabSz="914400" rtl="0" eaLnBrk="1" latinLnBrk="0" hangingPunct="1">
+              <a:defRPr sz="1800" kern="1200">
+                <a:solidFill>
+                  <a:schemeClr val="tx1"/>
+                </a:solidFill>
+                <a:latin typeface="+mn-lt"/>
+                <a:ea typeface="+mn-ea"/>
+                <a:cs typeface="+mn-cs"/>
+              </a:defRPr>
+            </a:lvl6pPr>
+            <a:lvl7pPr marL="2743200" algn="l" defTabSz="914400" rtl="0" eaLnBrk="1" latinLnBrk="0" hangingPunct="1">
+              <a:defRPr sz="1800" kern="1200">
+                <a:solidFill>
+                  <a:schemeClr val="tx1"/>
+                </a:solidFill>
+                <a:latin typeface="+mn-lt"/>
+                <a:ea typeface="+mn-ea"/>
+                <a:cs typeface="+mn-cs"/>
+              </a:defRPr>
+            </a:lvl7pPr>
+            <a:lvl8pPr marL="3200400" algn="l" defTabSz="914400" rtl="0" eaLnBrk="1" latinLnBrk="0" hangingPunct="1">
+              <a:defRPr sz="1800" kern="1200">
+                <a:solidFill>
+                  <a:schemeClr val="tx1"/>
+                </a:solidFill>
+                <a:latin typeface="+mn-lt"/>
+                <a:ea typeface="+mn-ea"/>
+                <a:cs typeface="+mn-cs"/>
+              </a:defRPr>
+            </a:lvl8pPr>
+            <a:lvl9pPr marL="3657600" algn="l" defTabSz="914400" rtl="0" eaLnBrk="1" latinLnBrk="0" hangingPunct="1">
+              <a:defRPr sz="1800" kern="1200">
+                <a:solidFill>
+                  <a:schemeClr val="tx1"/>
+                </a:solidFill>
+                <a:latin typeface="+mn-lt"/>
+                <a:ea typeface="+mn-ea"/>
+                <a:cs typeface="+mn-cs"/>
+              </a:defRPr>
+            </a:lvl9pPr>
+          </a:lstStyle>
+          <a:p>
+            <a:r>
+              <a:rPr lang="en-US" dirty="0">
+                <a:latin typeface="Calibri" panose="020F0502020204030204" pitchFamily="34" charset="0"/>
+                <a:cs typeface="Calibri" panose="020F0502020204030204" pitchFamily="34" charset="0"/>
+              </a:rPr>
+              <a:t>Private and confidential. For internal use only.</a:t>
+            </a:r>
+          </a:p>
+        </p:txBody>
+      </p:sp>
+      <p:sp>
+        <p:nvSpPr>
+          <p:cNvPr id="17" name="TextBox 16">
+            <a:extLst>
+              <a:ext uri="{FF2B5EF4-FFF2-40B4-BE49-F238E27FC236}">
+                <a16:creationId xmlns:a16="http://schemas.microsoft.com/office/drawing/2014/main" id="{7B1E804D-B855-63B3-EDDA-C54158AC809B}"/>
+              </a:ext>
+            </a:extLst>
+          </p:cNvPr>
+          <p:cNvSpPr txBox="1"/>
+          <p:nvPr/>
+        </p:nvSpPr>
+        <p:spPr>
+          <a:xfrm>
+            <a:off x="10667682" y="5636784"/>
+            <a:ext cx="2092326" cy="523220"/>
+          </a:xfrm>
+          <a:prstGeom prst="rect">
+            <a:avLst/>
+          </a:prstGeom>
+          <a:noFill/>
+        </p:spPr>
+        <p:txBody>
+          <a:bodyPr wrap="square" rtlCol="0">
+            <a:spAutoFit/>
+          </a:bodyPr>
+          <a:lstStyle/>
+          <a:p>
+            <a:r>
+              <a:rPr lang="en-US" sz="1400" dirty="0"/>
+              <a:t>Caption</a:t>
+            </a:r>
+          </a:p>
+          <a:p>
+            <a:r>
+              <a:rPr lang="en-US" sz="1400" dirty="0"/>
+              <a:t>RMSD</a:t>
+            </a:r>
+          </a:p>
+        </p:txBody>
+      </p:sp>
+      <p:sp>
+        <p:nvSpPr>
+          <p:cNvPr id="18" name="Rectangle 17">
+            <a:extLst>
+              <a:ext uri="{FF2B5EF4-FFF2-40B4-BE49-F238E27FC236}">
+                <a16:creationId xmlns:a16="http://schemas.microsoft.com/office/drawing/2014/main" id="{60BAEE60-722D-D98A-CBF2-01843922722E}"/>
+              </a:ext>
+            </a:extLst>
+          </p:cNvPr>
+          <p:cNvSpPr/>
+          <p:nvPr/>
+        </p:nvSpPr>
+        <p:spPr>
+          <a:xfrm>
+            <a:off x="10821979" y="6160004"/>
+            <a:ext cx="213360" cy="198140"/>
+          </a:xfrm>
+          <a:prstGeom prst="rect">
+            <a:avLst/>
+          </a:prstGeom>
+          <a:solidFill>
+            <a:srgbClr val="00E301"/>
+          </a:solidFill>
+        </p:spPr>
+        <p:style>
+          <a:lnRef idx="2">
+            <a:schemeClr val="accent1">
+              <a:shade val="50000"/>
+            </a:schemeClr>
+          </a:lnRef>
+          <a:fillRef idx="1">
+            <a:schemeClr val="accent1"/>
+          </a:fillRef>
+          <a:effectRef idx="0">
+            <a:schemeClr val="accent1"/>
+          </a:effectRef>
+          <a:fontRef idx="minor">
+            <a:schemeClr val="lt1"/>
+          </a:fontRef>
+        </p:style>
+        <p:txBody>
+          <a:bodyPr rtlCol="0" anchor="ctr"/>
+          <a:lstStyle/>
+          <a:p>
+            <a:pPr algn="ctr"/>
+            <a:endParaRPr lang="en-US"/>
+          </a:p>
+        </p:txBody>
+      </p:sp>
+      <p:sp>
+        <p:nvSpPr>
+          <p:cNvPr id="19" name="TextBox 18">
+            <a:extLst>
+              <a:ext uri="{FF2B5EF4-FFF2-40B4-BE49-F238E27FC236}">
+                <a16:creationId xmlns:a16="http://schemas.microsoft.com/office/drawing/2014/main" id="{E715DF21-721D-E00C-D489-F3AE680BA3A4}"/>
+              </a:ext>
+            </a:extLst>
+          </p:cNvPr>
+          <p:cNvSpPr txBox="1"/>
+          <p:nvPr/>
+        </p:nvSpPr>
+        <p:spPr>
+          <a:xfrm>
+            <a:off x="11008023" y="6103943"/>
+            <a:ext cx="2092326" cy="310896"/>
+          </a:xfrm>
+          <a:prstGeom prst="rect">
+            <a:avLst/>
+          </a:prstGeom>
+          <a:noFill/>
+        </p:spPr>
+        <p:txBody>
+          <a:bodyPr wrap="square" rtlCol="0">
+            <a:spAutoFit/>
+          </a:bodyPr>
+          <a:lstStyle/>
+          <a:p>
+            <a:r>
+              <a:rPr lang="en-US" sz="1400" dirty="0"/>
+              <a:t>Human</a:t>
+            </a:r>
+          </a:p>
+        </p:txBody>
+      </p:sp>
     </p:spTree>
     <p:extLst>
       <p:ext uri="{BB962C8B-B14F-4D97-AF65-F5344CB8AC3E}">
-        <p14:creationId xmlns:p14="http://schemas.microsoft.com/office/powerpoint/2010/main" val="3329138345"/>
+        <p14:creationId xmlns:p14="http://schemas.microsoft.com/office/powerpoint/2010/main" val="100202423"/>
       </p:ext>
     </p:extLst>
   </p:cSld>

--- a/assets/template.pptx
+++ b/assets/template.pptx
@@ -204,7 +204,7 @@
           <a:p>
             <a:fld id="{3D35C63F-2105-BE4D-B527-2F529C382CE3}" type="datetimeFigureOut">
               <a:rPr lang="en-US" smtClean="0"/>
-              <a:t>9/4/25</a:t>
+              <a:t>9/5/25</a:t>
             </a:fld>
             <a:endParaRPr lang="en-US"/>
           </a:p>
@@ -618,7 +618,7 @@
           <a:p>
             <a:fld id="{B06752D5-78E2-A847-9C3B-189A3B26818D}" type="datetime1">
               <a:rPr lang="en-US" smtClean="0"/>
-              <a:t>9/4/25</a:t>
+              <a:t>9/5/25</a:t>
             </a:fld>
             <a:endParaRPr lang="en-US"/>
           </a:p>
@@ -734,7 +734,7 @@
           <a:p>
             <a:fld id="{388ACBCC-99E6-FE44-9ACC-953181C011A7}" type="datetime1">
               <a:rPr lang="en-US" smtClean="0"/>
-              <a:t>9/4/25</a:t>
+              <a:t>9/5/25</a:t>
             </a:fld>
             <a:endParaRPr lang="en-US"/>
           </a:p>
@@ -1060,7 +1060,7 @@
           <a:p>
             <a:fld id="{8BE48B6B-F1AB-B84A-84D7-8652902395E6}" type="datetime1">
               <a:rPr lang="en-US" smtClean="0"/>
-              <a:t>9/4/25</a:t>
+              <a:t>9/5/25</a:t>
             </a:fld>
             <a:endParaRPr lang="en-US"/>
           </a:p>
@@ -1271,7 +1271,7 @@
           <a:p>
             <a:fld id="{DBB5A80F-23F3-D14B-A04A-2443AD3C8C1D}" type="datetime1">
               <a:rPr lang="en-US" smtClean="0"/>
-              <a:t>9/4/25</a:t>
+              <a:t>9/5/25</a:t>
             </a:fld>
             <a:endParaRPr lang="en-US"/>
           </a:p>
@@ -1472,7 +1472,7 @@
           <a:p>
             <a:fld id="{B4924098-444B-1F4A-964D-453B90BB09B8}" type="datetime1">
               <a:rPr lang="en-US" smtClean="0"/>
-              <a:t>9/4/25</a:t>
+              <a:t>9/5/25</a:t>
             </a:fld>
             <a:endParaRPr lang="en-US"/>
           </a:p>
@@ -1750,7 +1750,7 @@
           <a:p>
             <a:fld id="{64AA80EC-5C39-424E-BCDB-7253578D21E1}" type="datetime1">
               <a:rPr lang="en-US" smtClean="0"/>
-              <a:t>9/4/25</a:t>
+              <a:t>9/5/25</a:t>
             </a:fld>
             <a:endParaRPr lang="en-US"/>
           </a:p>
@@ -2018,7 +2018,7 @@
           <a:p>
             <a:fld id="{B62BE381-6531-BD4E-A14F-C7F7891665A3}" type="datetime1">
               <a:rPr lang="en-US" smtClean="0"/>
-              <a:t>9/4/25</a:t>
+              <a:t>9/5/25</a:t>
             </a:fld>
             <a:endParaRPr lang="en-US"/>
           </a:p>
@@ -2433,7 +2433,7 @@
           <a:p>
             <a:fld id="{EFF9B324-5E84-A143-AFFD-96C685045931}" type="datetime1">
               <a:rPr lang="en-US" smtClean="0"/>
-              <a:t>9/4/25</a:t>
+              <a:t>9/5/25</a:t>
             </a:fld>
             <a:endParaRPr lang="en-US"/>
           </a:p>
@@ -2577,7 +2577,7 @@
           <a:p>
             <a:fld id="{5E03C108-A023-064E-AD84-0599AE6A4C7B}" type="datetime1">
               <a:rPr lang="en-US" smtClean="0"/>
-              <a:t>9/4/25</a:t>
+              <a:t>9/5/25</a:t>
             </a:fld>
             <a:endParaRPr lang="en-US"/>
           </a:p>
@@ -2693,7 +2693,7 @@
           <a:p>
             <a:fld id="{2AD76E7B-7EA4-1F45-811E-6318427F47B0}" type="datetime1">
               <a:rPr lang="en-US" smtClean="0"/>
-              <a:t>9/4/25</a:t>
+              <a:t>9/5/25</a:t>
             </a:fld>
             <a:endParaRPr lang="en-US"/>
           </a:p>
@@ -3072,7 +3072,7 @@
           <a:p>
             <a:fld id="{CC6C6094-AAF0-DD4B-96E2-22EFC6CFCC8A}" type="datetime1">
               <a:rPr lang="en-US" smtClean="0"/>
-              <a:t>9/4/25</a:t>
+              <a:t>9/5/25</a:t>
             </a:fld>
             <a:endParaRPr lang="en-US"/>
           </a:p>
@@ -3363,7 +3363,7 @@
           <a:p>
             <a:fld id="{94294551-8571-4843-9360-5BE0706F1087}" type="datetime1">
               <a:rPr lang="en-US" smtClean="0"/>
-              <a:t>9/4/25</a:t>
+              <a:t>9/5/25</a:t>
             </a:fld>
             <a:endParaRPr lang="en-US"/>
           </a:p>
@@ -3607,7 +3607,7 @@
           <a:p>
             <a:fld id="{966DDEE6-831A-1840-B23B-63315631BC70}" type="datetime1">
               <a:rPr lang="en-US" smtClean="0"/>
-              <a:t>9/4/25</a:t>
+              <a:t>9/5/25</a:t>
             </a:fld>
             <a:endParaRPr lang="en-US"/>
           </a:p>
@@ -5655,174 +5655,6 @@
       </p:sp>
       <p:sp>
         <p:nvSpPr>
-          <p:cNvPr id="12" name="Rectangle 11">
-            <a:extLst>
-              <a:ext uri="{FF2B5EF4-FFF2-40B4-BE49-F238E27FC236}">
-                <a16:creationId xmlns:a16="http://schemas.microsoft.com/office/drawing/2014/main" id="{4070FB0A-0576-F4A6-0C73-6831E5CE6948}"/>
-              </a:ext>
-            </a:extLst>
-          </p:cNvPr>
-          <p:cNvSpPr/>
-          <p:nvPr/>
-        </p:nvSpPr>
-        <p:spPr>
-          <a:xfrm>
-            <a:off x="6542406" y="3963407"/>
-            <a:ext cx="213360" cy="198140"/>
-          </a:xfrm>
-          <a:prstGeom prst="rect">
-            <a:avLst/>
-          </a:prstGeom>
-          <a:solidFill>
-            <a:srgbClr val="00E301"/>
-          </a:solidFill>
-        </p:spPr>
-        <p:style>
-          <a:lnRef idx="2">
-            <a:schemeClr val="accent1">
-              <a:shade val="50000"/>
-            </a:schemeClr>
-          </a:lnRef>
-          <a:fillRef idx="1">
-            <a:schemeClr val="accent1"/>
-          </a:fillRef>
-          <a:effectRef idx="0">
-            <a:schemeClr val="accent1"/>
-          </a:effectRef>
-          <a:fontRef idx="minor">
-            <a:schemeClr val="lt1"/>
-          </a:fontRef>
-        </p:style>
-        <p:txBody>
-          <a:bodyPr rtlCol="0" anchor="ctr"/>
-          <a:lstStyle/>
-          <a:p>
-            <a:pPr algn="ctr"/>
-            <a:endParaRPr lang="en-US"/>
-          </a:p>
-        </p:txBody>
-      </p:sp>
-      <p:sp>
-        <p:nvSpPr>
-          <p:cNvPr id="13" name="TextBox 12">
-            <a:extLst>
-              <a:ext uri="{FF2B5EF4-FFF2-40B4-BE49-F238E27FC236}">
-                <a16:creationId xmlns:a16="http://schemas.microsoft.com/office/drawing/2014/main" id="{DBF587EB-7892-2DE2-9BD6-E78C7792E955}"/>
-              </a:ext>
-            </a:extLst>
-          </p:cNvPr>
-          <p:cNvSpPr txBox="1"/>
-          <p:nvPr/>
-        </p:nvSpPr>
-        <p:spPr>
-          <a:xfrm>
-            <a:off x="6746556" y="3907029"/>
-            <a:ext cx="2092326" cy="310896"/>
-          </a:xfrm>
-          <a:prstGeom prst="rect">
-            <a:avLst/>
-          </a:prstGeom>
-          <a:noFill/>
-        </p:spPr>
-        <p:txBody>
-          <a:bodyPr wrap="square" rtlCol="0">
-            <a:spAutoFit/>
-          </a:bodyPr>
-          <a:lstStyle/>
-          <a:p>
-            <a:r>
-              <a:rPr lang="en-US" sz="1400" dirty="0"/>
-              <a:t>Human</a:t>
-            </a:r>
-          </a:p>
-        </p:txBody>
-      </p:sp>
-      <p:sp>
-        <p:nvSpPr>
-          <p:cNvPr id="14" name="Rectangle 13">
-            <a:extLst>
-              <a:ext uri="{FF2B5EF4-FFF2-40B4-BE49-F238E27FC236}">
-                <a16:creationId xmlns:a16="http://schemas.microsoft.com/office/drawing/2014/main" id="{9E20709F-A0B0-C984-9B2B-D957606F71BA}"/>
-              </a:ext>
-            </a:extLst>
-          </p:cNvPr>
-          <p:cNvSpPr/>
-          <p:nvPr/>
-        </p:nvSpPr>
-        <p:spPr>
-          <a:xfrm>
-            <a:off x="11085666" y="3963407"/>
-            <a:ext cx="213360" cy="198140"/>
-          </a:xfrm>
-          <a:prstGeom prst="rect">
-            <a:avLst/>
-          </a:prstGeom>
-          <a:solidFill>
-            <a:srgbClr val="00E301"/>
-          </a:solidFill>
-        </p:spPr>
-        <p:style>
-          <a:lnRef idx="2">
-            <a:schemeClr val="accent1">
-              <a:shade val="50000"/>
-            </a:schemeClr>
-          </a:lnRef>
-          <a:fillRef idx="1">
-            <a:schemeClr val="accent1"/>
-          </a:fillRef>
-          <a:effectRef idx="0">
-            <a:schemeClr val="accent1"/>
-          </a:effectRef>
-          <a:fontRef idx="minor">
-            <a:schemeClr val="lt1"/>
-          </a:fontRef>
-        </p:style>
-        <p:txBody>
-          <a:bodyPr rtlCol="0" anchor="ctr"/>
-          <a:lstStyle/>
-          <a:p>
-            <a:pPr algn="ctr"/>
-            <a:endParaRPr lang="en-US"/>
-          </a:p>
-        </p:txBody>
-      </p:sp>
-      <p:sp>
-        <p:nvSpPr>
-          <p:cNvPr id="15" name="TextBox 14">
-            <a:extLst>
-              <a:ext uri="{FF2B5EF4-FFF2-40B4-BE49-F238E27FC236}">
-                <a16:creationId xmlns:a16="http://schemas.microsoft.com/office/drawing/2014/main" id="{F4F8DDCE-F9EF-8DF4-DE5B-558AD8245047}"/>
-              </a:ext>
-            </a:extLst>
-          </p:cNvPr>
-          <p:cNvSpPr txBox="1"/>
-          <p:nvPr/>
-        </p:nvSpPr>
-        <p:spPr>
-          <a:xfrm>
-            <a:off x="11271710" y="3907346"/>
-            <a:ext cx="2092326" cy="310896"/>
-          </a:xfrm>
-          <a:prstGeom prst="rect">
-            <a:avLst/>
-          </a:prstGeom>
-          <a:noFill/>
-        </p:spPr>
-        <p:txBody>
-          <a:bodyPr wrap="square" rtlCol="0">
-            <a:spAutoFit/>
-          </a:bodyPr>
-          <a:lstStyle/>
-          <a:p>
-            <a:r>
-              <a:rPr lang="en-US" sz="1400" dirty="0"/>
-              <a:t>Human</a:t>
-            </a:r>
-          </a:p>
-        </p:txBody>
-      </p:sp>
-      <p:sp>
-        <p:nvSpPr>
           <p:cNvPr id="16" name="Slide Number Placeholder 2">
             <a:extLst>
               <a:ext uri="{FF2B5EF4-FFF2-40B4-BE49-F238E27FC236}">
@@ -6015,7 +5847,7 @@
         </p:nvSpPr>
         <p:spPr>
           <a:xfrm>
-            <a:off x="10821979" y="6160004"/>
+            <a:off x="6621157" y="5014288"/>
             <a:ext cx="213360" cy="198140"/>
           </a:xfrm>
           <a:prstGeom prst="rect">
@@ -6064,7 +5896,7 @@
         </p:nvSpPr>
         <p:spPr>
           <a:xfrm>
-            <a:off x="11008023" y="6103943"/>
+            <a:off x="6807201" y="4958227"/>
             <a:ext cx="2092326" cy="310896"/>
           </a:xfrm>
           <a:prstGeom prst="rect">

--- a/assets/template.pptx
+++ b/assets/template.pptx
@@ -12,7 +12,7 @@
     <p:sldId id="264" r:id="rId3"/>
     <p:sldId id="271" r:id="rId4"/>
     <p:sldId id="270" r:id="rId5"/>
-    <p:sldId id="267" r:id="rId6"/>
+    <p:sldId id="272" r:id="rId6"/>
   </p:sldIdLst>
   <p:sldSz cx="12192000" cy="6858000"/>
   <p:notesSz cx="6858000" cy="9144000"/>
@@ -122,6 +122,402 @@
 </p:presentation>
 </file>
 
+<file path=ppt/revisionInfo.xml><?xml version="1.0" encoding="utf-8"?>
+<p1510:revInfo xmlns:a="http://schemas.openxmlformats.org/drawingml/2006/main" xmlns:r="http://schemas.openxmlformats.org/officeDocument/2006/relationships" xmlns:p1510="http://schemas.microsoft.com/office/powerpoint/2015/10/main">
+  <p1510:revLst>
+    <p1510:client id="{72F1E4F3-0FD2-477E-A43E-64230CB61480}" v="11" dt="2025-09-09T02:38:59.947"/>
+  </p1510:revLst>
+</p1510:revInfo>
+</file>
+
+<file path=ppt/changesInfos/changesInfo1.xml><?xml version="1.0" encoding="utf-8"?>
+<pc:chgInfo xmlns:a="http://schemas.openxmlformats.org/drawingml/2006/main" xmlns:r="http://schemas.openxmlformats.org/officeDocument/2006/relationships" xmlns:ac="http://schemas.microsoft.com/office/drawing/2013/main/command" xmlns:pc="http://schemas.microsoft.com/office/powerpoint/2013/main/command">
+  <pc:docChgLst>
+    <pc:chgData name="Cha, Curie (ext)" userId="ded769b9-f891-4fbd-9aac-296009cad227" providerId="ADAL" clId="{72F1E4F3-0FD2-477E-A43E-64230CB61480}"/>
+    <pc:docChg chg="undo custSel addSld delSld modSld modMainMaster">
+      <pc:chgData name="Cha, Curie (ext)" userId="ded769b9-f891-4fbd-9aac-296009cad227" providerId="ADAL" clId="{72F1E4F3-0FD2-477E-A43E-64230CB61480}" dt="2025-09-09T02:41:14.286" v="111" actId="14100"/>
+      <pc:docMkLst>
+        <pc:docMk/>
+      </pc:docMkLst>
+      <pc:sldChg chg="modSp mod">
+        <pc:chgData name="Cha, Curie (ext)" userId="ded769b9-f891-4fbd-9aac-296009cad227" providerId="ADAL" clId="{72F1E4F3-0FD2-477E-A43E-64230CB61480}" dt="2025-09-09T02:13:23.486" v="42" actId="20577"/>
+        <pc:sldMkLst>
+          <pc:docMk/>
+          <pc:sldMk cId="2280636616" sldId="262"/>
+        </pc:sldMkLst>
+        <pc:graphicFrameChg chg="modGraphic">
+          <ac:chgData name="Cha, Curie (ext)" userId="ded769b9-f891-4fbd-9aac-296009cad227" providerId="ADAL" clId="{72F1E4F3-0FD2-477E-A43E-64230CB61480}" dt="2025-09-09T02:13:23.486" v="42" actId="20577"/>
+          <ac:graphicFrameMkLst>
+            <pc:docMk/>
+            <pc:sldMk cId="2280636616" sldId="262"/>
+            <ac:graphicFrameMk id="10" creationId="{3C35035B-3577-E672-9583-0212CAEC1FBE}"/>
+          </ac:graphicFrameMkLst>
+        </pc:graphicFrameChg>
+      </pc:sldChg>
+      <pc:sldChg chg="delSp del mod">
+        <pc:chgData name="Cha, Curie (ext)" userId="ded769b9-f891-4fbd-9aac-296009cad227" providerId="ADAL" clId="{72F1E4F3-0FD2-477E-A43E-64230CB61480}" dt="2025-09-08T19:53:11.448" v="21" actId="47"/>
+        <pc:sldMkLst>
+          <pc:docMk/>
+          <pc:sldMk cId="3198581142" sldId="267"/>
+        </pc:sldMkLst>
+        <pc:spChg chg="del">
+          <ac:chgData name="Cha, Curie (ext)" userId="ded769b9-f891-4fbd-9aac-296009cad227" providerId="ADAL" clId="{72F1E4F3-0FD2-477E-A43E-64230CB61480}" dt="2025-09-08T19:51:50.059" v="9" actId="478"/>
+          <ac:spMkLst>
+            <pc:docMk/>
+            <pc:sldMk cId="3198581142" sldId="267"/>
+            <ac:spMk id="3" creationId="{3F8D5A7E-99F4-25CB-D003-8661E45A7E60}"/>
+          </ac:spMkLst>
+        </pc:spChg>
+      </pc:sldChg>
+      <pc:sldChg chg="delSp modSp mod">
+        <pc:chgData name="Cha, Curie (ext)" userId="ded769b9-f891-4fbd-9aac-296009cad227" providerId="ADAL" clId="{72F1E4F3-0FD2-477E-A43E-64230CB61480}" dt="2025-09-08T19:50:20.038" v="2" actId="478"/>
+        <pc:sldMkLst>
+          <pc:docMk/>
+          <pc:sldMk cId="1880646576" sldId="270"/>
+        </pc:sldMkLst>
+        <pc:spChg chg="del">
+          <ac:chgData name="Cha, Curie (ext)" userId="ded769b9-f891-4fbd-9aac-296009cad227" providerId="ADAL" clId="{72F1E4F3-0FD2-477E-A43E-64230CB61480}" dt="2025-09-08T19:50:17.980" v="0" actId="478"/>
+          <ac:spMkLst>
+            <pc:docMk/>
+            <pc:sldMk cId="1880646576" sldId="270"/>
+            <ac:spMk id="4" creationId="{67658D97-841D-F0A9-F8F5-DB6836A4ACF4}"/>
+          </ac:spMkLst>
+        </pc:spChg>
+        <pc:spChg chg="del mod">
+          <ac:chgData name="Cha, Curie (ext)" userId="ded769b9-f891-4fbd-9aac-296009cad227" providerId="ADAL" clId="{72F1E4F3-0FD2-477E-A43E-64230CB61480}" dt="2025-09-08T19:50:20.038" v="2" actId="478"/>
+          <ac:spMkLst>
+            <pc:docMk/>
+            <pc:sldMk cId="1880646576" sldId="270"/>
+            <ac:spMk id="5" creationId="{90F001C2-774D-922D-11F5-69C609ACE778}"/>
+          </ac:spMkLst>
+        </pc:spChg>
+      </pc:sldChg>
+      <pc:sldChg chg="addSp delSp modSp mod chgLayout">
+        <pc:chgData name="Cha, Curie (ext)" userId="ded769b9-f891-4fbd-9aac-296009cad227" providerId="ADAL" clId="{72F1E4F3-0FD2-477E-A43E-64230CB61480}" dt="2025-09-09T02:41:14.286" v="111" actId="14100"/>
+        <pc:sldMkLst>
+          <pc:docMk/>
+          <pc:sldMk cId="100202423" sldId="271"/>
+        </pc:sldMkLst>
+        <pc:spChg chg="mod ord">
+          <ac:chgData name="Cha, Curie (ext)" userId="ded769b9-f891-4fbd-9aac-296009cad227" providerId="ADAL" clId="{72F1E4F3-0FD2-477E-A43E-64230CB61480}" dt="2025-09-09T02:16:25.068" v="71" actId="1076"/>
+          <ac:spMkLst>
+            <pc:docMk/>
+            <pc:sldMk cId="100202423" sldId="271"/>
+            <ac:spMk id="2" creationId="{CE44976F-B93B-BC7C-B7A7-7B8CC8014044}"/>
+          </ac:spMkLst>
+        </pc:spChg>
+        <pc:spChg chg="mod ord">
+          <ac:chgData name="Cha, Curie (ext)" userId="ded769b9-f891-4fbd-9aac-296009cad227" providerId="ADAL" clId="{72F1E4F3-0FD2-477E-A43E-64230CB61480}" dt="2025-09-09T02:15:49.821" v="68" actId="1076"/>
+          <ac:spMkLst>
+            <pc:docMk/>
+            <pc:sldMk cId="100202423" sldId="271"/>
+            <ac:spMk id="3" creationId="{8CF068EA-580D-E909-1975-5864FDA01D24}"/>
+          </ac:spMkLst>
+        </pc:spChg>
+        <pc:spChg chg="del">
+          <ac:chgData name="Cha, Curie (ext)" userId="ded769b9-f891-4fbd-9aac-296009cad227" providerId="ADAL" clId="{72F1E4F3-0FD2-477E-A43E-64230CB61480}" dt="2025-09-09T02:14:52.053" v="56" actId="700"/>
+          <ac:spMkLst>
+            <pc:docMk/>
+            <pc:sldMk cId="100202423" sldId="271"/>
+            <ac:spMk id="4" creationId="{0BA246BE-91BE-5E02-4561-F2FCA2179CFB}"/>
+          </ac:spMkLst>
+        </pc:spChg>
+        <pc:spChg chg="add del mod">
+          <ac:chgData name="Cha, Curie (ext)" userId="ded769b9-f891-4fbd-9aac-296009cad227" providerId="ADAL" clId="{72F1E4F3-0FD2-477E-A43E-64230CB61480}" dt="2025-09-09T02:38:54.713" v="102" actId="478"/>
+          <ac:spMkLst>
+            <pc:docMk/>
+            <pc:sldMk cId="100202423" sldId="271"/>
+            <ac:spMk id="4" creationId="{C5A5BB95-C6E4-AA46-E3FC-143A29CB4EAD}"/>
+          </ac:spMkLst>
+        </pc:spChg>
+        <pc:spChg chg="add mod">
+          <ac:chgData name="Cha, Curie (ext)" userId="ded769b9-f891-4fbd-9aac-296009cad227" providerId="ADAL" clId="{72F1E4F3-0FD2-477E-A43E-64230CB61480}" dt="2025-09-09T02:41:14.286" v="111" actId="14100"/>
+          <ac:spMkLst>
+            <pc:docMk/>
+            <pc:sldMk cId="100202423" sldId="271"/>
+            <ac:spMk id="5" creationId="{1C3561A8-13C9-B39D-7A57-0B9D761D97FA}"/>
+          </ac:spMkLst>
+        </pc:spChg>
+        <pc:spChg chg="del mod">
+          <ac:chgData name="Cha, Curie (ext)" userId="ded769b9-f891-4fbd-9aac-296009cad227" providerId="ADAL" clId="{72F1E4F3-0FD2-477E-A43E-64230CB61480}" dt="2025-09-09T02:14:52.053" v="56" actId="700"/>
+          <ac:spMkLst>
+            <pc:docMk/>
+            <pc:sldMk cId="100202423" sldId="271"/>
+            <ac:spMk id="5" creationId="{7BA0A6AB-93D5-EA49-D556-C647D4E5F3D6}"/>
+          </ac:spMkLst>
+        </pc:spChg>
+        <pc:spChg chg="mod">
+          <ac:chgData name="Cha, Curie (ext)" userId="ded769b9-f891-4fbd-9aac-296009cad227" providerId="ADAL" clId="{72F1E4F3-0FD2-477E-A43E-64230CB61480}" dt="2025-09-09T02:13:54.226" v="46" actId="1076"/>
+          <ac:spMkLst>
+            <pc:docMk/>
+            <pc:sldMk cId="100202423" sldId="271"/>
+            <ac:spMk id="6" creationId="{631A860E-904C-3522-6DD4-3677C102DF97}"/>
+          </ac:spMkLst>
+        </pc:spChg>
+        <pc:spChg chg="add mod">
+          <ac:chgData name="Cha, Curie (ext)" userId="ded769b9-f891-4fbd-9aac-296009cad227" providerId="ADAL" clId="{72F1E4F3-0FD2-477E-A43E-64230CB61480}" dt="2025-09-09T02:39:11.190" v="110" actId="1076"/>
+          <ac:spMkLst>
+            <pc:docMk/>
+            <pc:sldMk cId="100202423" sldId="271"/>
+            <ac:spMk id="6" creationId="{DF4C3044-D165-CEB5-D2F9-072546A9B015}"/>
+          </ac:spMkLst>
+        </pc:spChg>
+        <pc:spChg chg="del mod">
+          <ac:chgData name="Cha, Curie (ext)" userId="ded769b9-f891-4fbd-9aac-296009cad227" providerId="ADAL" clId="{72F1E4F3-0FD2-477E-A43E-64230CB61480}" dt="2025-09-09T02:14:52.053" v="56" actId="700"/>
+          <ac:spMkLst>
+            <pc:docMk/>
+            <pc:sldMk cId="100202423" sldId="271"/>
+            <ac:spMk id="7" creationId="{53E3C8DF-D84B-4322-4746-E322E4E37A93}"/>
+          </ac:spMkLst>
+        </pc:spChg>
+        <pc:spChg chg="add mod">
+          <ac:chgData name="Cha, Curie (ext)" userId="ded769b9-f891-4fbd-9aac-296009cad227" providerId="ADAL" clId="{72F1E4F3-0FD2-477E-A43E-64230CB61480}" dt="2025-09-09T02:14:01.534" v="47"/>
+          <ac:spMkLst>
+            <pc:docMk/>
+            <pc:sldMk cId="100202423" sldId="271"/>
+            <ac:spMk id="12" creationId="{94820CB2-0B31-D020-0E6B-A5E483D3FCF6}"/>
+          </ac:spMkLst>
+        </pc:spChg>
+        <pc:spChg chg="add del mod">
+          <ac:chgData name="Cha, Curie (ext)" userId="ded769b9-f891-4fbd-9aac-296009cad227" providerId="ADAL" clId="{72F1E4F3-0FD2-477E-A43E-64230CB61480}" dt="2025-09-09T02:35:34.911" v="86" actId="478"/>
+          <ac:spMkLst>
+            <pc:docMk/>
+            <pc:sldMk cId="100202423" sldId="271"/>
+            <ac:spMk id="13" creationId="{29F99114-8746-3286-5866-9162D58CC835}"/>
+          </ac:spMkLst>
+        </pc:spChg>
+        <pc:spChg chg="add mod ord">
+          <ac:chgData name="Cha, Curie (ext)" userId="ded769b9-f891-4fbd-9aac-296009cad227" providerId="ADAL" clId="{72F1E4F3-0FD2-477E-A43E-64230CB61480}" dt="2025-09-09T02:14:52.053" v="56" actId="700"/>
+          <ac:spMkLst>
+            <pc:docMk/>
+            <pc:sldMk cId="100202423" sldId="271"/>
+            <ac:spMk id="14" creationId="{343C770A-24AD-40B0-8D9E-D40EFE628B8C}"/>
+          </ac:spMkLst>
+        </pc:spChg>
+        <pc:spChg chg="add mod ord">
+          <ac:chgData name="Cha, Curie (ext)" userId="ded769b9-f891-4fbd-9aac-296009cad227" providerId="ADAL" clId="{72F1E4F3-0FD2-477E-A43E-64230CB61480}" dt="2025-09-09T02:14:52.053" v="56" actId="700"/>
+          <ac:spMkLst>
+            <pc:docMk/>
+            <pc:sldMk cId="100202423" sldId="271"/>
+            <ac:spMk id="15" creationId="{4049C2CB-19A8-9C99-2A73-A662FA7A9EF7}"/>
+          </ac:spMkLst>
+        </pc:spChg>
+        <pc:spChg chg="del mod">
+          <ac:chgData name="Cha, Curie (ext)" userId="ded769b9-f891-4fbd-9aac-296009cad227" providerId="ADAL" clId="{72F1E4F3-0FD2-477E-A43E-64230CB61480}" dt="2025-09-09T02:14:11.197" v="50" actId="478"/>
+          <ac:spMkLst>
+            <pc:docMk/>
+            <pc:sldMk cId="100202423" sldId="271"/>
+            <ac:spMk id="17" creationId="{7B1E804D-B855-63B3-EDDA-C54158AC809B}"/>
+          </ac:spMkLst>
+        </pc:spChg>
+        <pc:spChg chg="mod">
+          <ac:chgData name="Cha, Curie (ext)" userId="ded769b9-f891-4fbd-9aac-296009cad227" providerId="ADAL" clId="{72F1E4F3-0FD2-477E-A43E-64230CB61480}" dt="2025-09-09T02:31:54.076" v="85" actId="1076"/>
+          <ac:spMkLst>
+            <pc:docMk/>
+            <pc:sldMk cId="100202423" sldId="271"/>
+            <ac:spMk id="18" creationId="{60BAEE60-722D-D98A-CBF2-01843922722E}"/>
+          </ac:spMkLst>
+        </pc:spChg>
+        <pc:spChg chg="add del mod">
+          <ac:chgData name="Cha, Curie (ext)" userId="ded769b9-f891-4fbd-9aac-296009cad227" providerId="ADAL" clId="{72F1E4F3-0FD2-477E-A43E-64230CB61480}" dt="2025-09-09T02:31:27.706" v="75" actId="478"/>
+          <ac:spMkLst>
+            <pc:docMk/>
+            <pc:sldMk cId="100202423" sldId="271"/>
+            <ac:spMk id="19" creationId="{E715DF21-721D-E00C-D489-F3AE680BA3A4}"/>
+          </ac:spMkLst>
+        </pc:spChg>
+        <pc:spChg chg="add mod ord">
+          <ac:chgData name="Cha, Curie (ext)" userId="ded769b9-f891-4fbd-9aac-296009cad227" providerId="ADAL" clId="{72F1E4F3-0FD2-477E-A43E-64230CB61480}" dt="2025-09-09T02:14:52.053" v="56" actId="700"/>
+          <ac:spMkLst>
+            <pc:docMk/>
+            <pc:sldMk cId="100202423" sldId="271"/>
+            <ac:spMk id="20" creationId="{F29C1F42-86AC-D1BF-B760-FB3D0FE6566D}"/>
+          </ac:spMkLst>
+        </pc:spChg>
+        <pc:spChg chg="add mod ord">
+          <ac:chgData name="Cha, Curie (ext)" userId="ded769b9-f891-4fbd-9aac-296009cad227" providerId="ADAL" clId="{72F1E4F3-0FD2-477E-A43E-64230CB61480}" dt="2025-09-09T02:14:52.053" v="56" actId="700"/>
+          <ac:spMkLst>
+            <pc:docMk/>
+            <pc:sldMk cId="100202423" sldId="271"/>
+            <ac:spMk id="21" creationId="{F6D6A556-0D0C-60F4-D8F4-B20E5316FF7A}"/>
+          </ac:spMkLst>
+        </pc:spChg>
+        <pc:spChg chg="add mod ord">
+          <ac:chgData name="Cha, Curie (ext)" userId="ded769b9-f891-4fbd-9aac-296009cad227" providerId="ADAL" clId="{72F1E4F3-0FD2-477E-A43E-64230CB61480}" dt="2025-09-09T02:15:54.734" v="69" actId="1076"/>
+          <ac:spMkLst>
+            <pc:docMk/>
+            <pc:sldMk cId="100202423" sldId="271"/>
+            <ac:spMk id="22" creationId="{DF89A7ED-1D54-0EEA-E6A0-8A994935731D}"/>
+          </ac:spMkLst>
+        </pc:spChg>
+        <pc:spChg chg="add mod">
+          <ac:chgData name="Cha, Curie (ext)" userId="ded769b9-f891-4fbd-9aac-296009cad227" providerId="ADAL" clId="{72F1E4F3-0FD2-477E-A43E-64230CB61480}" dt="2025-09-09T02:15:08.522" v="58" actId="1076"/>
+          <ac:spMkLst>
+            <pc:docMk/>
+            <pc:sldMk cId="100202423" sldId="271"/>
+            <ac:spMk id="23" creationId="{39CAD10E-C358-B1EC-CD9A-C3CBCBAFF033}"/>
+          </ac:spMkLst>
+        </pc:spChg>
+        <pc:graphicFrameChg chg="modGraphic">
+          <ac:chgData name="Cha, Curie (ext)" userId="ded769b9-f891-4fbd-9aac-296009cad227" providerId="ADAL" clId="{72F1E4F3-0FD2-477E-A43E-64230CB61480}" dt="2025-09-09T02:28:14.497" v="72" actId="2161"/>
+          <ac:graphicFrameMkLst>
+            <pc:docMk/>
+            <pc:sldMk cId="100202423" sldId="271"/>
+            <ac:graphicFrameMk id="8" creationId="{DBF27CDD-852C-001C-4687-381A4204FF4D}"/>
+          </ac:graphicFrameMkLst>
+        </pc:graphicFrameChg>
+      </pc:sldChg>
+      <pc:sldChg chg="addSp modSp new mod">
+        <pc:chgData name="Cha, Curie (ext)" userId="ded769b9-f891-4fbd-9aac-296009cad227" providerId="ADAL" clId="{72F1E4F3-0FD2-477E-A43E-64230CB61480}" dt="2025-09-08T19:53:07.941" v="20" actId="1076"/>
+        <pc:sldMkLst>
+          <pc:docMk/>
+          <pc:sldMk cId="1074912977" sldId="272"/>
+        </pc:sldMkLst>
+        <pc:spChg chg="mod">
+          <ac:chgData name="Cha, Curie (ext)" userId="ded769b9-f891-4fbd-9aac-296009cad227" providerId="ADAL" clId="{72F1E4F3-0FD2-477E-A43E-64230CB61480}" dt="2025-09-08T19:53:07.941" v="20" actId="1076"/>
+          <ac:spMkLst>
+            <pc:docMk/>
+            <pc:sldMk cId="1074912977" sldId="272"/>
+            <ac:spMk id="2" creationId="{75A548D2-79B3-EE48-BC40-2B6D29DA3798}"/>
+          </ac:spMkLst>
+        </pc:spChg>
+        <pc:spChg chg="mod">
+          <ac:chgData name="Cha, Curie (ext)" userId="ded769b9-f891-4fbd-9aac-296009cad227" providerId="ADAL" clId="{72F1E4F3-0FD2-477E-A43E-64230CB61480}" dt="2025-09-08T19:52:33.997" v="14" actId="1076"/>
+          <ac:spMkLst>
+            <pc:docMk/>
+            <pc:sldMk cId="1074912977" sldId="272"/>
+            <ac:spMk id="3" creationId="{BB6916B0-9B96-DEB6-B17F-E3CE6EC902E1}"/>
+          </ac:spMkLst>
+        </pc:spChg>
+        <pc:spChg chg="add mod">
+          <ac:chgData name="Cha, Curie (ext)" userId="ded769b9-f891-4fbd-9aac-296009cad227" providerId="ADAL" clId="{72F1E4F3-0FD2-477E-A43E-64230CB61480}" dt="2025-09-08T19:52:17.918" v="12"/>
+          <ac:spMkLst>
+            <pc:docMk/>
+            <pc:sldMk cId="1074912977" sldId="272"/>
+            <ac:spMk id="4" creationId="{07345421-4EA8-0E92-8ABD-C0E3828820F3}"/>
+          </ac:spMkLst>
+        </pc:spChg>
+        <pc:spChg chg="add mod">
+          <ac:chgData name="Cha, Curie (ext)" userId="ded769b9-f891-4fbd-9aac-296009cad227" providerId="ADAL" clId="{72F1E4F3-0FD2-477E-A43E-64230CB61480}" dt="2025-09-08T19:52:24.558" v="13"/>
+          <ac:spMkLst>
+            <pc:docMk/>
+            <pc:sldMk cId="1074912977" sldId="272"/>
+            <ac:spMk id="5" creationId="{FCFA73D3-8A64-D696-509B-0762F9BE19C6}"/>
+          </ac:spMkLst>
+        </pc:spChg>
+      </pc:sldChg>
+      <pc:sldChg chg="addSp delSp modSp new del">
+        <pc:chgData name="Cha, Curie (ext)" userId="ded769b9-f891-4fbd-9aac-296009cad227" providerId="ADAL" clId="{72F1E4F3-0FD2-477E-A43E-64230CB61480}" dt="2025-09-08T19:50:58.613" v="7" actId="47"/>
+        <pc:sldMkLst>
+          <pc:docMk/>
+          <pc:sldMk cId="1607897647" sldId="272"/>
+        </pc:sldMkLst>
+        <pc:spChg chg="del">
+          <ac:chgData name="Cha, Curie (ext)" userId="ded769b9-f891-4fbd-9aac-296009cad227" providerId="ADAL" clId="{72F1E4F3-0FD2-477E-A43E-64230CB61480}" dt="2025-09-08T19:50:52.119" v="6"/>
+          <ac:spMkLst>
+            <pc:docMk/>
+            <pc:sldMk cId="1607897647" sldId="272"/>
+            <ac:spMk id="2" creationId="{FBA8CC7A-F9BB-1CA4-40CE-320EBEB42CB1}"/>
+          </ac:spMkLst>
+        </pc:spChg>
+        <pc:spChg chg="add mod">
+          <ac:chgData name="Cha, Curie (ext)" userId="ded769b9-f891-4fbd-9aac-296009cad227" providerId="ADAL" clId="{72F1E4F3-0FD2-477E-A43E-64230CB61480}" dt="2025-09-08T19:50:52.119" v="6"/>
+          <ac:spMkLst>
+            <pc:docMk/>
+            <pc:sldMk cId="1607897647" sldId="272"/>
+            <ac:spMk id="5" creationId="{56CD4CFF-4AFF-2818-E4AD-D1EE632AACB9}"/>
+          </ac:spMkLst>
+        </pc:spChg>
+      </pc:sldChg>
+      <pc:sldChg chg="new del">
+        <pc:chgData name="Cha, Curie (ext)" userId="ded769b9-f891-4fbd-9aac-296009cad227" providerId="ADAL" clId="{72F1E4F3-0FD2-477E-A43E-64230CB61480}" dt="2025-09-08T19:51:52.644" v="10" actId="47"/>
+        <pc:sldMkLst>
+          <pc:docMk/>
+          <pc:sldMk cId="3549482905" sldId="272"/>
+        </pc:sldMkLst>
+      </pc:sldChg>
+      <pc:sldMasterChg chg="modSldLayout">
+        <pc:chgData name="Cha, Curie (ext)" userId="ded769b9-f891-4fbd-9aac-296009cad227" providerId="ADAL" clId="{72F1E4F3-0FD2-477E-A43E-64230CB61480}" dt="2025-09-09T02:14:32.258" v="55" actId="1076"/>
+        <pc:sldMasterMkLst>
+          <pc:docMk/>
+          <pc:sldMasterMk cId="2897594611" sldId="2147483648"/>
+        </pc:sldMasterMkLst>
+        <pc:sldLayoutChg chg="delSp mod">
+          <pc:chgData name="Cha, Curie (ext)" userId="ded769b9-f891-4fbd-9aac-296009cad227" providerId="ADAL" clId="{72F1E4F3-0FD2-477E-A43E-64230CB61480}" dt="2025-09-08T19:50:30.272" v="4" actId="478"/>
+          <pc:sldLayoutMkLst>
+            <pc:docMk/>
+            <pc:sldMasterMk cId="2897594611" sldId="2147483648"/>
+            <pc:sldLayoutMk cId="2103369352" sldId="2147483655"/>
+          </pc:sldLayoutMkLst>
+          <pc:spChg chg="del">
+            <ac:chgData name="Cha, Curie (ext)" userId="ded769b9-f891-4fbd-9aac-296009cad227" providerId="ADAL" clId="{72F1E4F3-0FD2-477E-A43E-64230CB61480}" dt="2025-09-08T19:50:28.367" v="3" actId="478"/>
+            <ac:spMkLst>
+              <pc:docMk/>
+              <pc:sldMasterMk cId="2897594611" sldId="2147483648"/>
+              <pc:sldLayoutMk cId="2103369352" sldId="2147483655"/>
+              <ac:spMk id="6" creationId="{66EFF83B-B5E1-CA4A-BEFC-B3CC5CE3C13B}"/>
+            </ac:spMkLst>
+          </pc:spChg>
+          <pc:spChg chg="del">
+            <ac:chgData name="Cha, Curie (ext)" userId="ded769b9-f891-4fbd-9aac-296009cad227" providerId="ADAL" clId="{72F1E4F3-0FD2-477E-A43E-64230CB61480}" dt="2025-09-08T19:50:30.272" v="4" actId="478"/>
+            <ac:spMkLst>
+              <pc:docMk/>
+              <pc:sldMasterMk cId="2897594611" sldId="2147483648"/>
+              <pc:sldLayoutMk cId="2103369352" sldId="2147483655"/>
+              <ac:spMk id="8" creationId="{1303B444-B53D-B5DF-6BA2-4D1BA0271CB3}"/>
+            </ac:spMkLst>
+          </pc:spChg>
+        </pc:sldLayoutChg>
+        <pc:sldLayoutChg chg="addSp modSp mod">
+          <pc:chgData name="Cha, Curie (ext)" userId="ded769b9-f891-4fbd-9aac-296009cad227" providerId="ADAL" clId="{72F1E4F3-0FD2-477E-A43E-64230CB61480}" dt="2025-09-09T02:14:32.258" v="55" actId="1076"/>
+          <pc:sldLayoutMkLst>
+            <pc:docMk/>
+            <pc:sldMasterMk cId="2897594611" sldId="2147483648"/>
+            <pc:sldLayoutMk cId="509637265" sldId="2147483660"/>
+          </pc:sldLayoutMkLst>
+          <pc:spChg chg="add mod">
+            <ac:chgData name="Cha, Curie (ext)" userId="ded769b9-f891-4fbd-9aac-296009cad227" providerId="ADAL" clId="{72F1E4F3-0FD2-477E-A43E-64230CB61480}" dt="2025-09-09T02:14:32.258" v="55" actId="1076"/>
+            <ac:spMkLst>
+              <pc:docMk/>
+              <pc:sldMasterMk cId="2897594611" sldId="2147483648"/>
+              <pc:sldLayoutMk cId="509637265" sldId="2147483660"/>
+              <ac:spMk id="2" creationId="{7811FA55-B6DE-04A7-2953-524FA4331F3A}"/>
+            </ac:spMkLst>
+          </pc:spChg>
+          <pc:spChg chg="mod">
+            <ac:chgData name="Cha, Curie (ext)" userId="ded769b9-f891-4fbd-9aac-296009cad227" providerId="ADAL" clId="{72F1E4F3-0FD2-477E-A43E-64230CB61480}" dt="2025-09-09T02:14:21.013" v="51" actId="1076"/>
+            <ac:spMkLst>
+              <pc:docMk/>
+              <pc:sldMasterMk cId="2897594611" sldId="2147483648"/>
+              <pc:sldLayoutMk cId="509637265" sldId="2147483660"/>
+              <ac:spMk id="6" creationId="{8EA1A38F-2DEE-DA69-64C7-DA8A62F660F5}"/>
+            </ac:spMkLst>
+          </pc:spChg>
+          <pc:spChg chg="mod">
+            <ac:chgData name="Cha, Curie (ext)" userId="ded769b9-f891-4fbd-9aac-296009cad227" providerId="ADAL" clId="{72F1E4F3-0FD2-477E-A43E-64230CB61480}" dt="2025-09-09T02:14:23.717" v="52" actId="1076"/>
+            <ac:spMkLst>
+              <pc:docMk/>
+              <pc:sldMasterMk cId="2897594611" sldId="2147483648"/>
+              <pc:sldLayoutMk cId="509637265" sldId="2147483660"/>
+              <ac:spMk id="9" creationId="{AEDEAFAA-573F-6D6D-C302-CB7B19B81843}"/>
+            </ac:spMkLst>
+          </pc:spChg>
+          <pc:spChg chg="mod">
+            <ac:chgData name="Cha, Curie (ext)" userId="ded769b9-f891-4fbd-9aac-296009cad227" providerId="ADAL" clId="{72F1E4F3-0FD2-477E-A43E-64230CB61480}" dt="2025-09-09T02:14:27.461" v="53" actId="1076"/>
+            <ac:spMkLst>
+              <pc:docMk/>
+              <pc:sldMasterMk cId="2897594611" sldId="2147483648"/>
+              <pc:sldLayoutMk cId="509637265" sldId="2147483660"/>
+              <ac:spMk id="10" creationId="{93AC2B28-4306-D423-6641-9D9C077E009C}"/>
+            </ac:spMkLst>
+          </pc:spChg>
+        </pc:sldLayoutChg>
+      </pc:sldMasterChg>
+    </pc:docChg>
+  </pc:docChgLst>
+</pc:chgInfo>
+</file>
+
 <file path=ppt/notesMasters/notesMaster1.xml><?xml version="1.0" encoding="utf-8"?>
 <p:notesMaster xmlns:a="http://schemas.openxmlformats.org/drawingml/2006/main" xmlns:r="http://schemas.openxmlformats.org/officeDocument/2006/relationships" xmlns:p="http://schemas.openxmlformats.org/presentationml/2006/main">
   <p:cSld>
@@ -204,7 +600,7 @@
           <a:p>
             <a:fld id="{3D35C63F-2105-BE4D-B527-2F529C382CE3}" type="datetimeFigureOut">
               <a:rPr lang="en-US" smtClean="0"/>
-              <a:t>9/5/25</a:t>
+              <a:t>9/8/2025</a:t>
             </a:fld>
             <a:endParaRPr lang="en-US"/>
           </a:p>
@@ -618,7 +1014,7 @@
           <a:p>
             <a:fld id="{B06752D5-78E2-A847-9C3B-189A3B26818D}" type="datetime1">
               <a:rPr lang="en-US" smtClean="0"/>
-              <a:t>9/5/25</a:t>
+              <a:t>9/8/2025</a:t>
             </a:fld>
             <a:endParaRPr lang="en-US"/>
           </a:p>
@@ -734,7 +1130,7 @@
           <a:p>
             <a:fld id="{388ACBCC-99E6-FE44-9ACC-953181C011A7}" type="datetime1">
               <a:rPr lang="en-US" smtClean="0"/>
-              <a:t>9/5/25</a:t>
+              <a:t>9/8/2025</a:t>
             </a:fld>
             <a:endParaRPr lang="en-US"/>
           </a:p>
@@ -850,7 +1246,7 @@
         </p:nvSpPr>
         <p:spPr>
           <a:xfrm>
-            <a:off x="6299200" y="761683"/>
+            <a:off x="6299200" y="419259"/>
             <a:ext cx="2743199" cy="3139757"/>
           </a:xfrm>
         </p:spPr>
@@ -880,7 +1276,7 @@
         </p:nvSpPr>
         <p:spPr>
           <a:xfrm>
-            <a:off x="9042399" y="761683"/>
+            <a:off x="9042399" y="435217"/>
             <a:ext cx="2778759" cy="3139758"/>
           </a:xfrm>
         </p:spPr>
@@ -910,7 +1306,37 @@
         </p:nvSpPr>
         <p:spPr>
           <a:xfrm>
-            <a:off x="7924483" y="3559016"/>
+            <a:off x="6299199" y="3590933"/>
+            <a:ext cx="2743199" cy="3139757"/>
+          </a:xfrm>
+        </p:spPr>
+        <p:txBody>
+          <a:bodyPr/>
+          <a:lstStyle/>
+          <a:p>
+            <a:endParaRPr lang="en-US"/>
+          </a:p>
+        </p:txBody>
+      </p:sp>
+      <p:sp>
+        <p:nvSpPr>
+          <p:cNvPr id="2" name="Picture Placeholder 9">
+            <a:extLst>
+              <a:ext uri="{FF2B5EF4-FFF2-40B4-BE49-F238E27FC236}">
+                <a16:creationId xmlns:a16="http://schemas.microsoft.com/office/drawing/2014/main" id="{7811FA55-B6DE-04A7-2953-524FA4331F3A}"/>
+              </a:ext>
+            </a:extLst>
+          </p:cNvPr>
+          <p:cNvSpPr>
+            <a:spLocks noGrp="1"/>
+          </p:cNvSpPr>
+          <p:nvPr>
+            <p:ph type="pic" sz="quarter" idx="17"/>
+          </p:nvPr>
+        </p:nvSpPr>
+        <p:spPr>
+          <a:xfrm>
+            <a:off x="9067801" y="3590933"/>
             <a:ext cx="2743199" cy="3139757"/>
           </a:xfrm>
         </p:spPr>
@@ -1060,7 +1486,7 @@
           <a:p>
             <a:fld id="{8BE48B6B-F1AB-B84A-84D7-8652902395E6}" type="datetime1">
               <a:rPr lang="en-US" smtClean="0"/>
-              <a:t>9/5/25</a:t>
+              <a:t>9/8/2025</a:t>
             </a:fld>
             <a:endParaRPr lang="en-US"/>
           </a:p>
@@ -1271,7 +1697,7 @@
           <a:p>
             <a:fld id="{DBB5A80F-23F3-D14B-A04A-2443AD3C8C1D}" type="datetime1">
               <a:rPr lang="en-US" smtClean="0"/>
-              <a:t>9/5/25</a:t>
+              <a:t>9/8/2025</a:t>
             </a:fld>
             <a:endParaRPr lang="en-US"/>
           </a:p>
@@ -1472,7 +1898,7 @@
           <a:p>
             <a:fld id="{B4924098-444B-1F4A-964D-453B90BB09B8}" type="datetime1">
               <a:rPr lang="en-US" smtClean="0"/>
-              <a:t>9/5/25</a:t>
+              <a:t>9/8/2025</a:t>
             </a:fld>
             <a:endParaRPr lang="en-US"/>
           </a:p>
@@ -1750,7 +2176,7 @@
           <a:p>
             <a:fld id="{64AA80EC-5C39-424E-BCDB-7253578D21E1}" type="datetime1">
               <a:rPr lang="en-US" smtClean="0"/>
-              <a:t>9/5/25</a:t>
+              <a:t>9/8/2025</a:t>
             </a:fld>
             <a:endParaRPr lang="en-US"/>
           </a:p>
@@ -2018,7 +2444,7 @@
           <a:p>
             <a:fld id="{B62BE381-6531-BD4E-A14F-C7F7891665A3}" type="datetime1">
               <a:rPr lang="en-US" smtClean="0"/>
-              <a:t>9/5/25</a:t>
+              <a:t>9/8/2025</a:t>
             </a:fld>
             <a:endParaRPr lang="en-US"/>
           </a:p>
@@ -2433,7 +2859,7 @@
           <a:p>
             <a:fld id="{EFF9B324-5E84-A143-AFFD-96C685045931}" type="datetime1">
               <a:rPr lang="en-US" smtClean="0"/>
-              <a:t>9/5/25</a:t>
+              <a:t>9/8/2025</a:t>
             </a:fld>
             <a:endParaRPr lang="en-US"/>
           </a:p>
@@ -2577,7 +3003,7 @@
           <a:p>
             <a:fld id="{5E03C108-A023-064E-AD84-0599AE6A4C7B}" type="datetime1">
               <a:rPr lang="en-US" smtClean="0"/>
-              <a:t>9/5/25</a:t>
+              <a:t>9/8/2025</a:t>
             </a:fld>
             <a:endParaRPr lang="en-US"/>
           </a:p>
@@ -2693,7 +3119,7 @@
           <a:p>
             <a:fld id="{2AD76E7B-7EA4-1F45-811E-6318427F47B0}" type="datetime1">
               <a:rPr lang="en-US" smtClean="0"/>
-              <a:t>9/5/25</a:t>
+              <a:t>9/8/2025</a:t>
             </a:fld>
             <a:endParaRPr lang="en-US"/>
           </a:p>
@@ -2752,71 +3178,6 @@
               <a:rPr lang="en-US" smtClean="0"/>
               <a:t>‹#›</a:t>
             </a:fld>
-            <a:endParaRPr lang="en-US"/>
-          </a:p>
-        </p:txBody>
-      </p:sp>
-      <p:sp>
-        <p:nvSpPr>
-          <p:cNvPr id="6" name="Picture Placeholder 5">
-            <a:extLst>
-              <a:ext uri="{FF2B5EF4-FFF2-40B4-BE49-F238E27FC236}">
-                <a16:creationId xmlns:a16="http://schemas.microsoft.com/office/drawing/2014/main" id="{66EFF83B-B5E1-CA4A-BEFC-B3CC5CE3C13B}"/>
-              </a:ext>
-            </a:extLst>
-          </p:cNvPr>
-          <p:cNvSpPr>
-            <a:spLocks noGrp="1"/>
-          </p:cNvSpPr>
-          <p:nvPr>
-            <p:ph type="pic" sz="quarter" idx="13"/>
-          </p:nvPr>
-        </p:nvSpPr>
-        <p:spPr>
-          <a:xfrm>
-            <a:off x="182563" y="873760"/>
-            <a:ext cx="5913437" cy="5354003"/>
-          </a:xfrm>
-        </p:spPr>
-        <p:txBody>
-          <a:bodyPr/>
-          <a:lstStyle>
-            <a:lvl1pPr marL="0" indent="0">
-              <a:buNone/>
-              <a:defRPr/>
-            </a:lvl1pPr>
-          </a:lstStyle>
-          <a:p>
-            <a:endParaRPr lang="en-US" dirty="0"/>
-          </a:p>
-        </p:txBody>
-      </p:sp>
-      <p:sp>
-        <p:nvSpPr>
-          <p:cNvPr id="8" name="Picture Placeholder 7">
-            <a:extLst>
-              <a:ext uri="{FF2B5EF4-FFF2-40B4-BE49-F238E27FC236}">
-                <a16:creationId xmlns:a16="http://schemas.microsoft.com/office/drawing/2014/main" id="{1303B444-B53D-B5DF-6BA2-4D1BA0271CB3}"/>
-              </a:ext>
-            </a:extLst>
-          </p:cNvPr>
-          <p:cNvSpPr>
-            <a:spLocks noGrp="1"/>
-          </p:cNvSpPr>
-          <p:nvPr>
-            <p:ph type="pic" sz="quarter" idx="14"/>
-          </p:nvPr>
-        </p:nvSpPr>
-        <p:spPr>
-          <a:xfrm>
-            <a:off x="6131560" y="873760"/>
-            <a:ext cx="5892800" cy="5354003"/>
-          </a:xfrm>
-        </p:spPr>
-        <p:txBody>
-          <a:bodyPr/>
-          <a:lstStyle/>
-          <a:p>
             <a:endParaRPr lang="en-US"/>
           </a:p>
         </p:txBody>
@@ -3072,7 +3433,7 @@
           <a:p>
             <a:fld id="{CC6C6094-AAF0-DD4B-96E2-22EFC6CFCC8A}" type="datetime1">
               <a:rPr lang="en-US" smtClean="0"/>
-              <a:t>9/5/25</a:t>
+              <a:t>9/8/2025</a:t>
             </a:fld>
             <a:endParaRPr lang="en-US"/>
           </a:p>
@@ -3363,7 +3724,7 @@
           <a:p>
             <a:fld id="{94294551-8571-4843-9360-5BE0706F1087}" type="datetime1">
               <a:rPr lang="en-US" smtClean="0"/>
-              <a:t>9/5/25</a:t>
+              <a:t>9/8/2025</a:t>
             </a:fld>
             <a:endParaRPr lang="en-US"/>
           </a:p>
@@ -3607,7 +3968,7 @@
           <a:p>
             <a:fld id="{966DDEE6-831A-1840-B23B-63315631BC70}" type="datetime1">
               <a:rPr lang="en-US" smtClean="0"/>
-              <a:t>9/5/25</a:t>
+              <a:t>9/8/2025</a:t>
             </a:fld>
             <a:endParaRPr lang="en-US"/>
           </a:p>
@@ -4051,6 +4412,13 @@
             <a:ext cx="3481388" cy="4873625"/>
           </a:xfrm>
         </p:spPr>
+        <p:txBody>
+          <a:bodyPr/>
+          <a:lstStyle/>
+          <a:p>
+            <a:endParaRPr lang="en-US"/>
+          </a:p>
+        </p:txBody>
       </p:sp>
       <p:sp>
         <p:nvSpPr>
@@ -4192,14 +4560,14 @@
           <p:nvPr>
             <p:extLst>
               <p:ext uri="{D42A27DB-BD31-4B8C-83A1-F6EECF244321}">
-                <p14:modId xmlns:p14="http://schemas.microsoft.com/office/powerpoint/2010/main" val="2146045332"/>
+                <p14:modId xmlns:p14="http://schemas.microsoft.com/office/powerpoint/2010/main" val="103914880"/>
               </p:ext>
             </p:extLst>
           </p:nvPr>
         </p:nvGraphicFramePr>
         <p:xfrm>
           <a:off x="304800" y="822960"/>
-          <a:ext cx="6978332" cy="4048760"/>
+          <a:ext cx="6978332" cy="4262120"/>
         </p:xfrm>
         <a:graphic>
           <a:graphicData uri="http://schemas.openxmlformats.org/drawingml/2006/table">
@@ -4548,22 +4916,39 @@
                           <a:latin typeface="Calibri" panose="020F0502020204030204" pitchFamily="34" charset="0"/>
                           <a:cs typeface="Calibri" panose="020F0502020204030204" pitchFamily="34" charset="0"/>
                         </a:rPr>
-                        <a:t>Macaca </a:t>
+                        <a:t>Macaca fascicularis:</a:t>
                       </a:r>
+                      <a:endParaRPr lang="en-US" sz="1400" dirty="0">
+                        <a:latin typeface="Calibri" panose="020F0502020204030204" pitchFamily="34" charset="0"/>
+                        <a:cs typeface="Calibri" panose="020F0502020204030204" pitchFamily="34" charset="0"/>
+                      </a:endParaRPr>
+                    </a:p>
+                    <a:p>
                       <a:r>
-                        <a:rPr sz="1400" dirty="0" err="1">
+                        <a:rPr lang="en-US" sz="1400" dirty="0">
                           <a:latin typeface="Calibri" panose="020F0502020204030204" pitchFamily="34" charset="0"/>
                           <a:cs typeface="Calibri" panose="020F0502020204030204" pitchFamily="34" charset="0"/>
                         </a:rPr>
-                        <a:t>fascicularis</a:t>
+                        <a:t>Gallus </a:t>
                       </a:r>
                       <a:r>
-                        <a:rPr sz="1400" dirty="0">
+                        <a:rPr lang="en-US" sz="1400" dirty="0" err="1">
+                          <a:latin typeface="Calibri" panose="020F0502020204030204" pitchFamily="34" charset="0"/>
+                          <a:cs typeface="Calibri" panose="020F0502020204030204" pitchFamily="34" charset="0"/>
+                        </a:rPr>
+                        <a:t>gallus</a:t>
+                      </a:r>
+                      <a:r>
+                        <a:rPr lang="en-US" sz="1400" dirty="0">
                           <a:latin typeface="Calibri" panose="020F0502020204030204" pitchFamily="34" charset="0"/>
                           <a:cs typeface="Calibri" panose="020F0502020204030204" pitchFamily="34" charset="0"/>
                         </a:rPr>
                         <a:t>:</a:t>
                       </a:r>
+                      <a:endParaRPr sz="1400" dirty="0">
+                        <a:latin typeface="Calibri" panose="020F0502020204030204" pitchFamily="34" charset="0"/>
+                        <a:cs typeface="Calibri" panose="020F0502020204030204" pitchFamily="34" charset="0"/>
+                      </a:endParaRPr>
                     </a:p>
                   </a:txBody>
                   <a:tcPr>
@@ -4822,6 +5207,13 @@
             <a:ext cx="11242040" cy="4873625"/>
           </a:xfrm>
         </p:spPr>
+        <p:txBody>
+          <a:bodyPr/>
+          <a:lstStyle/>
+          <a:p>
+            <a:endParaRPr lang="en-US"/>
+          </a:p>
+        </p:txBody>
       </p:sp>
       <p:sp>
         <p:nvSpPr>
@@ -5133,8 +5525,8 @@
         </p:nvSpPr>
         <p:spPr>
           <a:xfrm>
-            <a:off x="9639290" y="6420110"/>
-            <a:ext cx="2506672" cy="365125"/>
+            <a:off x="10099674" y="6422783"/>
+            <a:ext cx="2092326" cy="365125"/>
           </a:xfrm>
         </p:spPr>
         <p:txBody>
@@ -5166,7 +5558,7 @@
         </p:nvSpPr>
         <p:spPr>
           <a:xfrm>
-            <a:off x="-2321560" y="6401752"/>
+            <a:off x="-2335663" y="6401751"/>
             <a:ext cx="2743200" cy="365125"/>
           </a:xfrm>
         </p:spPr>
@@ -5184,10 +5576,10 @@
       </p:sp>
       <p:sp>
         <p:nvSpPr>
-          <p:cNvPr id="4" name="Picture Placeholder 3">
-            <a:extLst>
-              <a:ext uri="{FF2B5EF4-FFF2-40B4-BE49-F238E27FC236}">
-                <a16:creationId xmlns:a16="http://schemas.microsoft.com/office/drawing/2014/main" id="{0BA246BE-91BE-5E02-4561-F2FCA2179CFB}"/>
+          <p:cNvPr id="14" name="Picture Placeholder 13">
+            <a:extLst>
+              <a:ext uri="{FF2B5EF4-FFF2-40B4-BE49-F238E27FC236}">
+                <a16:creationId xmlns:a16="http://schemas.microsoft.com/office/drawing/2014/main" id="{343C770A-24AD-40B0-8D9E-D40EFE628B8C}"/>
               </a:ext>
             </a:extLst>
           </p:cNvPr>
@@ -5199,13 +5591,20 @@
           </p:nvPr>
         </p:nvSpPr>
         <p:spPr/>
-      </p:sp>
-      <p:sp>
-        <p:nvSpPr>
-          <p:cNvPr id="5" name="Picture Placeholder 4">
-            <a:extLst>
-              <a:ext uri="{FF2B5EF4-FFF2-40B4-BE49-F238E27FC236}">
-                <a16:creationId xmlns:a16="http://schemas.microsoft.com/office/drawing/2014/main" id="{7BA0A6AB-93D5-EA49-D556-C647D4E5F3D6}"/>
+        <p:txBody>
+          <a:bodyPr/>
+          <a:lstStyle/>
+          <a:p>
+            <a:endParaRPr lang="en-US"/>
+          </a:p>
+        </p:txBody>
+      </p:sp>
+      <p:sp>
+        <p:nvSpPr>
+          <p:cNvPr id="15" name="Picture Placeholder 14">
+            <a:extLst>
+              <a:ext uri="{FF2B5EF4-FFF2-40B4-BE49-F238E27FC236}">
+                <a16:creationId xmlns:a16="http://schemas.microsoft.com/office/drawing/2014/main" id="{4049C2CB-19A8-9C99-2A73-A662FA7A9EF7}"/>
               </a:ext>
             </a:extLst>
           </p:cNvPr>
@@ -5217,13 +5616,20 @@
           </p:nvPr>
         </p:nvSpPr>
         <p:spPr/>
-      </p:sp>
-      <p:sp>
-        <p:nvSpPr>
-          <p:cNvPr id="6" name="Picture Placeholder 5">
-            <a:extLst>
-              <a:ext uri="{FF2B5EF4-FFF2-40B4-BE49-F238E27FC236}">
-                <a16:creationId xmlns:a16="http://schemas.microsoft.com/office/drawing/2014/main" id="{631A860E-904C-3522-6DD4-3677C102DF97}"/>
+        <p:txBody>
+          <a:bodyPr/>
+          <a:lstStyle/>
+          <a:p>
+            <a:endParaRPr lang="en-US"/>
+          </a:p>
+        </p:txBody>
+      </p:sp>
+      <p:sp>
+        <p:nvSpPr>
+          <p:cNvPr id="20" name="Picture Placeholder 19">
+            <a:extLst>
+              <a:ext uri="{FF2B5EF4-FFF2-40B4-BE49-F238E27FC236}">
+                <a16:creationId xmlns:a16="http://schemas.microsoft.com/office/drawing/2014/main" id="{F29C1F42-86AC-D1BF-B760-FB3D0FE6566D}"/>
               </a:ext>
             </a:extLst>
           </p:cNvPr>
@@ -5235,13 +5641,20 @@
           </p:nvPr>
         </p:nvSpPr>
         <p:spPr/>
-      </p:sp>
-      <p:sp>
-        <p:nvSpPr>
-          <p:cNvPr id="7" name="Picture Placeholder 6">
-            <a:extLst>
-              <a:ext uri="{FF2B5EF4-FFF2-40B4-BE49-F238E27FC236}">
-                <a16:creationId xmlns:a16="http://schemas.microsoft.com/office/drawing/2014/main" id="{53E3C8DF-D84B-4322-4746-E322E4E37A93}"/>
+        <p:txBody>
+          <a:bodyPr/>
+          <a:lstStyle/>
+          <a:p>
+            <a:endParaRPr lang="en-US"/>
+          </a:p>
+        </p:txBody>
+      </p:sp>
+      <p:sp>
+        <p:nvSpPr>
+          <p:cNvPr id="21" name="Picture Placeholder 20">
+            <a:extLst>
+              <a:ext uri="{FF2B5EF4-FFF2-40B4-BE49-F238E27FC236}">
+                <a16:creationId xmlns:a16="http://schemas.microsoft.com/office/drawing/2014/main" id="{F6D6A556-0D0C-60F4-D8F4-B20E5316FF7A}"/>
               </a:ext>
             </a:extLst>
           </p:cNvPr>
@@ -5253,6 +5666,43 @@
           </p:nvPr>
         </p:nvSpPr>
         <p:spPr/>
+        <p:txBody>
+          <a:bodyPr/>
+          <a:lstStyle/>
+          <a:p>
+            <a:endParaRPr lang="en-US"/>
+          </a:p>
+        </p:txBody>
+      </p:sp>
+      <p:sp>
+        <p:nvSpPr>
+          <p:cNvPr id="22" name="Picture Placeholder 21">
+            <a:extLst>
+              <a:ext uri="{FF2B5EF4-FFF2-40B4-BE49-F238E27FC236}">
+                <a16:creationId xmlns:a16="http://schemas.microsoft.com/office/drawing/2014/main" id="{DF89A7ED-1D54-0EEA-E6A0-8A994935731D}"/>
+              </a:ext>
+            </a:extLst>
+          </p:cNvPr>
+          <p:cNvSpPr>
+            <a:spLocks noGrp="1"/>
+          </p:cNvSpPr>
+          <p:nvPr>
+            <p:ph type="pic" sz="quarter" idx="17"/>
+          </p:nvPr>
+        </p:nvSpPr>
+        <p:spPr>
+          <a:xfrm>
+            <a:off x="9077959" y="3590933"/>
+            <a:ext cx="2743199" cy="3139757"/>
+          </a:xfrm>
+        </p:spPr>
+        <p:txBody>
+          <a:bodyPr/>
+          <a:lstStyle/>
+          <a:p>
+            <a:endParaRPr lang="en-US"/>
+          </a:p>
+        </p:txBody>
       </p:sp>
       <p:graphicFrame>
         <p:nvGraphicFramePr>
@@ -5269,14 +5719,14 @@
           <p:nvPr>
             <p:extLst>
               <p:ext uri="{D42A27DB-BD31-4B8C-83A1-F6EECF244321}">
-                <p14:modId xmlns:p14="http://schemas.microsoft.com/office/powerpoint/2010/main" val="3081202271"/>
+                <p14:modId xmlns:p14="http://schemas.microsoft.com/office/powerpoint/2010/main" val="3647625968"/>
               </p:ext>
             </p:extLst>
           </p:nvPr>
         </p:nvGraphicFramePr>
         <p:xfrm>
           <a:off x="189529" y="4717062"/>
-          <a:ext cx="5195272" cy="1547147"/>
+          <a:ext cx="5195272" cy="1854009"/>
         </p:xfrm>
         <a:graphic>
           <a:graphicData uri="http://schemas.openxmlformats.org/drawingml/2006/table">
@@ -5470,6 +5920,43 @@
                 </a:tc>
                 <a:extLst>
                   <a:ext uri="{0D108BD9-81ED-4DB2-BD59-A6C34878D82A}">
+                    <a16:rowId xmlns:a16="http://schemas.microsoft.com/office/drawing/2014/main" val="1224374157"/>
+                  </a:ext>
+                </a:extLst>
+              </a:tr>
+              <a:tr h="306862">
+                <a:tc>
+                  <a:txBody>
+                    <a:bodyPr/>
+                    <a:lstStyle/>
+                    <a:p>
+                      <a:endParaRPr lang="en-US" sz="1400" dirty="0"/>
+                    </a:p>
+                  </a:txBody>
+                  <a:tcPr/>
+                </a:tc>
+                <a:tc>
+                  <a:txBody>
+                    <a:bodyPr/>
+                    <a:lstStyle/>
+                    <a:p>
+                      <a:endParaRPr lang="en-US" sz="1400"/>
+                    </a:p>
+                  </a:txBody>
+                  <a:tcPr/>
+                </a:tc>
+                <a:tc>
+                  <a:txBody>
+                    <a:bodyPr/>
+                    <a:lstStyle/>
+                    <a:p>
+                      <a:endParaRPr lang="en-US" sz="1400" dirty="0"/>
+                    </a:p>
+                  </a:txBody>
+                  <a:tcPr/>
+                </a:tc>
+                <a:extLst>
+                  <a:ext uri="{0D108BD9-81ED-4DB2-BD59-A6C34878D82A}">
                     <a16:rowId xmlns:a16="http://schemas.microsoft.com/office/drawing/2014/main" val="2238215588"/>
                   </a:ext>
                 </a:extLst>
@@ -5794,60 +6281,19 @@
       </p:sp>
       <p:sp>
         <p:nvSpPr>
-          <p:cNvPr id="17" name="TextBox 16">
-            <a:extLst>
-              <a:ext uri="{FF2B5EF4-FFF2-40B4-BE49-F238E27FC236}">
-                <a16:creationId xmlns:a16="http://schemas.microsoft.com/office/drawing/2014/main" id="{7B1E804D-B855-63B3-EDDA-C54158AC809B}"/>
-              </a:ext>
-            </a:extLst>
-          </p:cNvPr>
-          <p:cNvSpPr txBox="1"/>
+          <p:cNvPr id="18" name="Rectangle 17">
+            <a:extLst>
+              <a:ext uri="{FF2B5EF4-FFF2-40B4-BE49-F238E27FC236}">
+                <a16:creationId xmlns:a16="http://schemas.microsoft.com/office/drawing/2014/main" id="{60BAEE60-722D-D98A-CBF2-01843922722E}"/>
+              </a:ext>
+            </a:extLst>
+          </p:cNvPr>
+          <p:cNvSpPr/>
           <p:nvPr/>
         </p:nvSpPr>
         <p:spPr>
           <a:xfrm>
-            <a:off x="10667682" y="5636784"/>
-            <a:ext cx="2092326" cy="523220"/>
-          </a:xfrm>
-          <a:prstGeom prst="rect">
-            <a:avLst/>
-          </a:prstGeom>
-          <a:noFill/>
-        </p:spPr>
-        <p:txBody>
-          <a:bodyPr wrap="square" rtlCol="0">
-            <a:spAutoFit/>
-          </a:bodyPr>
-          <a:lstStyle/>
-          <a:p>
-            <a:r>
-              <a:rPr lang="en-US" sz="1400" dirty="0"/>
-              <a:t>Caption</a:t>
-            </a:r>
-          </a:p>
-          <a:p>
-            <a:r>
-              <a:rPr lang="en-US" sz="1400" dirty="0"/>
-              <a:t>RMSD</a:t>
-            </a:r>
-          </a:p>
-        </p:txBody>
-      </p:sp>
-      <p:sp>
-        <p:nvSpPr>
-          <p:cNvPr id="18" name="Rectangle 17">
-            <a:extLst>
-              <a:ext uri="{FF2B5EF4-FFF2-40B4-BE49-F238E27FC236}">
-                <a16:creationId xmlns:a16="http://schemas.microsoft.com/office/drawing/2014/main" id="{60BAEE60-722D-D98A-CBF2-01843922722E}"/>
-              </a:ext>
-            </a:extLst>
-          </p:cNvPr>
-          <p:cNvSpPr/>
-          <p:nvPr/>
-        </p:nvSpPr>
-        <p:spPr>
-          <a:xfrm>
-            <a:off x="6621157" y="5014288"/>
+            <a:off x="5449873" y="4300485"/>
             <a:ext cx="213360" cy="198140"/>
           </a:xfrm>
           <a:prstGeom prst="rect">
@@ -5878,16 +6324,16 @@
           <a:lstStyle/>
           <a:p>
             <a:pPr algn="ctr"/>
-            <a:endParaRPr lang="en-US"/>
-          </a:p>
-        </p:txBody>
-      </p:sp>
-      <p:sp>
-        <p:nvSpPr>
-          <p:cNvPr id="19" name="TextBox 18">
-            <a:extLst>
-              <a:ext uri="{FF2B5EF4-FFF2-40B4-BE49-F238E27FC236}">
-                <a16:creationId xmlns:a16="http://schemas.microsoft.com/office/drawing/2014/main" id="{E715DF21-721D-E00C-D489-F3AE680BA3A4}"/>
+            <a:endParaRPr lang="en-US" dirty="0"/>
+          </a:p>
+        </p:txBody>
+      </p:sp>
+      <p:sp>
+        <p:nvSpPr>
+          <p:cNvPr id="23" name="TextBox 22">
+            <a:extLst>
+              <a:ext uri="{FF2B5EF4-FFF2-40B4-BE49-F238E27FC236}">
+                <a16:creationId xmlns:a16="http://schemas.microsoft.com/office/drawing/2014/main" id="{39CAD10E-C358-B1EC-CD9A-C3CBCBAFF033}"/>
               </a:ext>
             </a:extLst>
           </p:cNvPr>
@@ -5896,8 +6342,90 @@
         </p:nvSpPr>
         <p:spPr>
           <a:xfrm>
-            <a:off x="6807201" y="4958227"/>
-            <a:ext cx="2092326" cy="310896"/>
+            <a:off x="6323012" y="6277302"/>
+            <a:ext cx="2092326" cy="523220"/>
+          </a:xfrm>
+          <a:prstGeom prst="rect">
+            <a:avLst/>
+          </a:prstGeom>
+          <a:noFill/>
+        </p:spPr>
+        <p:txBody>
+          <a:bodyPr wrap="square" rtlCol="0">
+            <a:spAutoFit/>
+          </a:bodyPr>
+          <a:lstStyle/>
+          <a:p>
+            <a:r>
+              <a:rPr lang="en-US" sz="1400" dirty="0"/>
+              <a:t>Caption</a:t>
+            </a:r>
+          </a:p>
+          <a:p>
+            <a:r>
+              <a:rPr lang="en-US" sz="1400" dirty="0"/>
+              <a:t>RMSD</a:t>
+            </a:r>
+          </a:p>
+        </p:txBody>
+      </p:sp>
+      <p:sp>
+        <p:nvSpPr>
+          <p:cNvPr id="5" name="TextBox 4">
+            <a:extLst>
+              <a:ext uri="{FF2B5EF4-FFF2-40B4-BE49-F238E27FC236}">
+                <a16:creationId xmlns:a16="http://schemas.microsoft.com/office/drawing/2014/main" id="{1C3561A8-13C9-B39D-7A57-0B9D761D97FA}"/>
+              </a:ext>
+            </a:extLst>
+          </p:cNvPr>
+          <p:cNvSpPr txBox="1"/>
+          <p:nvPr/>
+        </p:nvSpPr>
+        <p:spPr>
+          <a:xfrm>
+            <a:off x="9145970" y="6295847"/>
+            <a:ext cx="1329680" cy="523220"/>
+          </a:xfrm>
+          <a:prstGeom prst="rect">
+            <a:avLst/>
+          </a:prstGeom>
+          <a:noFill/>
+        </p:spPr>
+        <p:txBody>
+          <a:bodyPr wrap="square" rtlCol="0">
+            <a:spAutoFit/>
+          </a:bodyPr>
+          <a:lstStyle/>
+          <a:p>
+            <a:r>
+              <a:rPr lang="en-US" sz="1400" dirty="0"/>
+              <a:t>Caption</a:t>
+            </a:r>
+          </a:p>
+          <a:p>
+            <a:r>
+              <a:rPr lang="en-US" sz="1400" dirty="0"/>
+              <a:t>RMSD</a:t>
+            </a:r>
+          </a:p>
+        </p:txBody>
+      </p:sp>
+      <p:sp>
+        <p:nvSpPr>
+          <p:cNvPr id="6" name="TextBox 5">
+            <a:extLst>
+              <a:ext uri="{FF2B5EF4-FFF2-40B4-BE49-F238E27FC236}">
+                <a16:creationId xmlns:a16="http://schemas.microsoft.com/office/drawing/2014/main" id="{DF4C3044-D165-CEB5-D2F9-072546A9B015}"/>
+              </a:ext>
+            </a:extLst>
+          </p:cNvPr>
+          <p:cNvSpPr txBox="1"/>
+          <p:nvPr/>
+        </p:nvSpPr>
+        <p:spPr>
+          <a:xfrm>
+            <a:off x="5627672" y="4252535"/>
+            <a:ext cx="757887" cy="307777"/>
           </a:xfrm>
           <a:prstGeom prst="rect">
             <a:avLst/>
@@ -6013,42 +6541,6 @@
             <a:endParaRPr lang="en-US"/>
           </a:p>
         </p:txBody>
-      </p:sp>
-      <p:sp>
-        <p:nvSpPr>
-          <p:cNvPr id="4" name="Picture Placeholder 3">
-            <a:extLst>
-              <a:ext uri="{FF2B5EF4-FFF2-40B4-BE49-F238E27FC236}">
-                <a16:creationId xmlns:a16="http://schemas.microsoft.com/office/drawing/2014/main" id="{67658D97-841D-F0A9-F8F5-DB6836A4ACF4}"/>
-              </a:ext>
-            </a:extLst>
-          </p:cNvPr>
-          <p:cNvSpPr>
-            <a:spLocks noGrp="1"/>
-          </p:cNvSpPr>
-          <p:nvPr>
-            <p:ph type="pic" sz="quarter" idx="13"/>
-          </p:nvPr>
-        </p:nvSpPr>
-        <p:spPr/>
-      </p:sp>
-      <p:sp>
-        <p:nvSpPr>
-          <p:cNvPr id="5" name="Picture Placeholder 4">
-            <a:extLst>
-              <a:ext uri="{FF2B5EF4-FFF2-40B4-BE49-F238E27FC236}">
-                <a16:creationId xmlns:a16="http://schemas.microsoft.com/office/drawing/2014/main" id="{90F001C2-774D-922D-11F5-69C609ACE778}"/>
-              </a:ext>
-            </a:extLst>
-          </p:cNvPr>
-          <p:cNvSpPr>
-            <a:spLocks noGrp="1"/>
-          </p:cNvSpPr>
-          <p:nvPr>
-            <p:ph type="pic" sz="quarter" idx="14"/>
-          </p:nvPr>
-        </p:nvSpPr>
-        <p:spPr/>
       </p:sp>
       <p:sp>
         <p:nvSpPr>
@@ -6277,33 +6769,43 @@
       </p:grpSpPr>
       <p:sp>
         <p:nvSpPr>
-          <p:cNvPr id="3" name="Picture Placeholder 2">
-            <a:extLst>
-              <a:ext uri="{FF2B5EF4-FFF2-40B4-BE49-F238E27FC236}">
-                <a16:creationId xmlns:a16="http://schemas.microsoft.com/office/drawing/2014/main" id="{3F8D5A7E-99F4-25CB-D003-8661E45A7E60}"/>
-              </a:ext>
-            </a:extLst>
-          </p:cNvPr>
-          <p:cNvSpPr>
-            <a:spLocks noGrp="1"/>
-          </p:cNvSpPr>
-          <p:nvPr>
-            <p:ph type="pic" idx="1"/>
+          <p:cNvPr id="2" name="Footer Placeholder 1">
+            <a:extLst>
+              <a:ext uri="{FF2B5EF4-FFF2-40B4-BE49-F238E27FC236}">
+                <a16:creationId xmlns:a16="http://schemas.microsoft.com/office/drawing/2014/main" id="{75A548D2-79B3-EE48-BC40-2B6D29DA3798}"/>
+              </a:ext>
+            </a:extLst>
+          </p:cNvPr>
+          <p:cNvSpPr>
+            <a:spLocks noGrp="1"/>
+          </p:cNvSpPr>
+          <p:nvPr>
+            <p:ph type="ftr" sz="quarter" idx="11"/>
           </p:nvPr>
         </p:nvSpPr>
         <p:spPr>
           <a:xfrm>
-            <a:off x="421640" y="987425"/>
-            <a:ext cx="11242040" cy="4873625"/>
+            <a:off x="9711431" y="6401751"/>
+            <a:ext cx="2258627" cy="365125"/>
           </a:xfrm>
         </p:spPr>
-      </p:sp>
-      <p:sp>
-        <p:nvSpPr>
-          <p:cNvPr id="5" name="Slide Number Placeholder 4">
-            <a:extLst>
-              <a:ext uri="{FF2B5EF4-FFF2-40B4-BE49-F238E27FC236}">
-                <a16:creationId xmlns:a16="http://schemas.microsoft.com/office/drawing/2014/main" id="{632F2703-A441-DD5D-636C-58A89C3688EE}"/>
+        <p:txBody>
+          <a:bodyPr/>
+          <a:lstStyle/>
+          <a:p>
+            <a:r>
+              <a:rPr lang="en-US" dirty="0"/>
+              <a:t>Name</a:t>
+            </a:r>
+          </a:p>
+        </p:txBody>
+      </p:sp>
+      <p:sp>
+        <p:nvSpPr>
+          <p:cNvPr id="3" name="Slide Number Placeholder 2">
+            <a:extLst>
+              <a:ext uri="{FF2B5EF4-FFF2-40B4-BE49-F238E27FC236}">
+                <a16:creationId xmlns:a16="http://schemas.microsoft.com/office/drawing/2014/main" id="{BB6916B0-9B96-DEB6-B17F-E3CE6EC902E1}"/>
               </a:ext>
             </a:extLst>
           </p:cNvPr>
@@ -6316,7 +6818,7 @@
         </p:nvSpPr>
         <p:spPr>
           <a:xfrm>
-            <a:off x="-2321560" y="6399280"/>
+            <a:off x="-2321560" y="6401751"/>
             <a:ext cx="2743200" cy="365125"/>
           </a:xfrm>
         </p:spPr>
@@ -6328,16 +6830,16 @@
               <a:rPr lang="en-US" smtClean="0"/>
               <a:t>5</a:t>
             </a:fld>
-            <a:endParaRPr lang="en-US"/>
-          </a:p>
-        </p:txBody>
-      </p:sp>
-      <p:sp>
-        <p:nvSpPr>
-          <p:cNvPr id="6" name="Title 1">
-            <a:extLst>
-              <a:ext uri="{FF2B5EF4-FFF2-40B4-BE49-F238E27FC236}">
-                <a16:creationId xmlns:a16="http://schemas.microsoft.com/office/drawing/2014/main" id="{C71C37F5-FE65-EE1E-0C4F-84CF5B3988D4}"/>
+            <a:endParaRPr lang="en-US" dirty="0"/>
+          </a:p>
+        </p:txBody>
+      </p:sp>
+      <p:sp>
+        <p:nvSpPr>
+          <p:cNvPr id="4" name="Title 1">
+            <a:extLst>
+              <a:ext uri="{FF2B5EF4-FFF2-40B4-BE49-F238E27FC236}">
+                <a16:creationId xmlns:a16="http://schemas.microsoft.com/office/drawing/2014/main" id="{07345421-4EA8-0E92-8ABD-C0E3828820F3}"/>
               </a:ext>
             </a:extLst>
           </p:cNvPr>
@@ -6390,10 +6892,10 @@
       </p:sp>
       <p:sp>
         <p:nvSpPr>
-          <p:cNvPr id="8" name="Slide Number Placeholder 2">
-            <a:extLst>
-              <a:ext uri="{FF2B5EF4-FFF2-40B4-BE49-F238E27FC236}">
-                <a16:creationId xmlns:a16="http://schemas.microsoft.com/office/drawing/2014/main" id="{643AB091-40BA-14DC-E04A-F0A300EAE286}"/>
+          <p:cNvPr id="5" name="Slide Number Placeholder 2">
+            <a:extLst>
+              <a:ext uri="{FF2B5EF4-FFF2-40B4-BE49-F238E27FC236}">
+                <a16:creationId xmlns:a16="http://schemas.microsoft.com/office/drawing/2014/main" id="{FCFA73D3-8A64-D696-509B-0762F9BE19C6}"/>
               </a:ext>
             </a:extLst>
           </p:cNvPr>
@@ -6527,43 +7029,10 @@
           </a:p>
         </p:txBody>
       </p:sp>
-      <p:sp>
-        <p:nvSpPr>
-          <p:cNvPr id="2" name="Footer Placeholder 1">
-            <a:extLst>
-              <a:ext uri="{FF2B5EF4-FFF2-40B4-BE49-F238E27FC236}">
-                <a16:creationId xmlns:a16="http://schemas.microsoft.com/office/drawing/2014/main" id="{13602B2A-A30E-38E6-5D0D-F2E1F4B608D6}"/>
-              </a:ext>
-            </a:extLst>
-          </p:cNvPr>
-          <p:cNvSpPr>
-            <a:spLocks noGrp="1"/>
-          </p:cNvSpPr>
-          <p:nvPr>
-            <p:ph type="ftr" sz="quarter" idx="11"/>
-          </p:nvPr>
-        </p:nvSpPr>
-        <p:spPr>
-          <a:xfrm>
-            <a:off x="9692640" y="6399279"/>
-            <a:ext cx="2291080" cy="365125"/>
-          </a:xfrm>
-        </p:spPr>
-        <p:txBody>
-          <a:bodyPr/>
-          <a:lstStyle/>
-          <a:p>
-            <a:r>
-              <a:rPr lang="en-US" dirty="0"/>
-              <a:t>Name</a:t>
-            </a:r>
-          </a:p>
-        </p:txBody>
-      </p:sp>
     </p:spTree>
     <p:extLst>
       <p:ext uri="{BB962C8B-B14F-4D97-AF65-F5344CB8AC3E}">
-        <p14:creationId xmlns:p14="http://schemas.microsoft.com/office/powerpoint/2010/main" val="3198581142"/>
+        <p14:creationId xmlns:p14="http://schemas.microsoft.com/office/powerpoint/2010/main" val="1074912977"/>
       </p:ext>
     </p:extLst>
   </p:cSld>
